--- a/P2.pptx
+++ b/P2.pptx
@@ -111,7 +111,2438 @@
       </a:defRPr>
     </a:lvl9pPr>
   </p:defaultTextStyle>
+  <p:extLst>
+    <p:ext uri="{EFAFB233-063F-42B5-8137-9DF3F51BA10A}">
+      <p15:sldGuideLst xmlns:p15="http://schemas.microsoft.com/office/powerpoint/2012/main"/>
+    </p:ext>
+  </p:extLst>
 </p:presentation>
+</file>
+
+<file path=ppt/diagrams/colors1.xml><?xml version="1.0" encoding="utf-8"?>
+<dgm:colorsDef xmlns:dgm="http://schemas.openxmlformats.org/drawingml/2006/diagram" xmlns:a="http://schemas.openxmlformats.org/drawingml/2006/main" uniqueId="urn:microsoft.com/office/officeart/2005/8/colors/colorful5">
+  <dgm:title val=""/>
+  <dgm:desc val=""/>
+  <dgm:catLst>
+    <dgm:cat type="colorful" pri="10500"/>
+  </dgm:catLst>
+  <dgm:styleLbl name="node0">
+    <dgm:fillClrLst meth="repeat">
+      <a:schemeClr val="accent4"/>
+    </dgm:fillClrLst>
+    <dgm:linClrLst meth="repeat">
+      <a:schemeClr val="lt1"/>
+    </dgm:linClrLst>
+    <dgm:effectClrLst/>
+    <dgm:txLinClrLst/>
+    <dgm:txFillClrLst/>
+    <dgm:txEffectClrLst/>
+  </dgm:styleLbl>
+  <dgm:styleLbl name="node1">
+    <dgm:fillClrLst>
+      <a:schemeClr val="accent5"/>
+      <a:schemeClr val="accent6"/>
+    </dgm:fillClrLst>
+    <dgm:linClrLst meth="repeat">
+      <a:schemeClr val="lt1"/>
+    </dgm:linClrLst>
+    <dgm:effectClrLst/>
+    <dgm:txLinClrLst/>
+    <dgm:txFillClrLst/>
+    <dgm:txEffectClrLst/>
+  </dgm:styleLbl>
+  <dgm:styleLbl name="alignNode1">
+    <dgm:fillClrLst>
+      <a:schemeClr val="accent5"/>
+      <a:schemeClr val="accent6"/>
+    </dgm:fillClrLst>
+    <dgm:linClrLst>
+      <a:schemeClr val="accent5"/>
+      <a:schemeClr val="accent6"/>
+    </dgm:linClrLst>
+    <dgm:effectClrLst/>
+    <dgm:txLinClrLst/>
+    <dgm:txFillClrLst/>
+    <dgm:txEffectClrLst/>
+  </dgm:styleLbl>
+  <dgm:styleLbl name="lnNode1">
+    <dgm:fillClrLst>
+      <a:schemeClr val="accent5"/>
+      <a:schemeClr val="accent6"/>
+    </dgm:fillClrLst>
+    <dgm:linClrLst meth="repeat">
+      <a:schemeClr val="lt1"/>
+    </dgm:linClrLst>
+    <dgm:effectClrLst/>
+    <dgm:txLinClrLst/>
+    <dgm:txFillClrLst/>
+    <dgm:txEffectClrLst/>
+  </dgm:styleLbl>
+  <dgm:styleLbl name="vennNode1">
+    <dgm:fillClrLst>
+      <a:schemeClr val="accent5">
+        <a:alpha val="50000"/>
+      </a:schemeClr>
+      <a:schemeClr val="accent6">
+        <a:alpha val="50000"/>
+      </a:schemeClr>
+    </dgm:fillClrLst>
+    <dgm:linClrLst meth="repeat">
+      <a:schemeClr val="lt1"/>
+    </dgm:linClrLst>
+    <dgm:effectClrLst/>
+    <dgm:txLinClrLst/>
+    <dgm:txFillClrLst/>
+    <dgm:txEffectClrLst/>
+  </dgm:styleLbl>
+  <dgm:styleLbl name="node2">
+    <dgm:fillClrLst>
+      <a:schemeClr val="accent6"/>
+    </dgm:fillClrLst>
+    <dgm:linClrLst meth="repeat">
+      <a:schemeClr val="lt1"/>
+    </dgm:linClrLst>
+    <dgm:effectClrLst/>
+    <dgm:txLinClrLst/>
+    <dgm:txFillClrLst/>
+    <dgm:txEffectClrLst/>
+  </dgm:styleLbl>
+  <dgm:styleLbl name="node3">
+    <dgm:fillClrLst>
+      <a:schemeClr val="accent1"/>
+    </dgm:fillClrLst>
+    <dgm:linClrLst meth="repeat">
+      <a:schemeClr val="lt1"/>
+    </dgm:linClrLst>
+    <dgm:effectClrLst/>
+    <dgm:txLinClrLst/>
+    <dgm:txFillClrLst/>
+    <dgm:txEffectClrLst/>
+  </dgm:styleLbl>
+  <dgm:styleLbl name="node4">
+    <dgm:fillClrLst>
+      <a:schemeClr val="accent2"/>
+    </dgm:fillClrLst>
+    <dgm:linClrLst meth="repeat">
+      <a:schemeClr val="lt1"/>
+    </dgm:linClrLst>
+    <dgm:effectClrLst/>
+    <dgm:txLinClrLst/>
+    <dgm:txFillClrLst/>
+    <dgm:txEffectClrLst/>
+  </dgm:styleLbl>
+  <dgm:styleLbl name="fgImgPlace1">
+    <dgm:fillClrLst>
+      <a:schemeClr val="accent5">
+        <a:tint val="50000"/>
+      </a:schemeClr>
+      <a:schemeClr val="accent6">
+        <a:tint val="50000"/>
+      </a:schemeClr>
+    </dgm:fillClrLst>
+    <dgm:linClrLst meth="repeat">
+      <a:schemeClr val="lt1"/>
+    </dgm:linClrLst>
+    <dgm:effectClrLst/>
+    <dgm:txLinClrLst/>
+    <dgm:txFillClrLst meth="repeat">
+      <a:schemeClr val="lt1"/>
+    </dgm:txFillClrLst>
+    <dgm:txEffectClrLst/>
+  </dgm:styleLbl>
+  <dgm:styleLbl name="alignImgPlace1">
+    <dgm:fillClrLst>
+      <a:schemeClr val="accent5">
+        <a:tint val="50000"/>
+      </a:schemeClr>
+      <a:schemeClr val="accent6">
+        <a:tint val="20000"/>
+      </a:schemeClr>
+    </dgm:fillClrLst>
+    <dgm:linClrLst meth="repeat">
+      <a:schemeClr val="lt1"/>
+    </dgm:linClrLst>
+    <dgm:effectClrLst/>
+    <dgm:txLinClrLst/>
+    <dgm:txFillClrLst meth="repeat">
+      <a:schemeClr val="lt1"/>
+    </dgm:txFillClrLst>
+    <dgm:txEffectClrLst/>
+  </dgm:styleLbl>
+  <dgm:styleLbl name="bgImgPlace1">
+    <dgm:fillClrLst>
+      <a:schemeClr val="accent5">
+        <a:tint val="50000"/>
+      </a:schemeClr>
+      <a:schemeClr val="accent6">
+        <a:tint val="20000"/>
+      </a:schemeClr>
+    </dgm:fillClrLst>
+    <dgm:linClrLst meth="repeat">
+      <a:schemeClr val="lt1"/>
+    </dgm:linClrLst>
+    <dgm:effectClrLst/>
+    <dgm:txLinClrLst/>
+    <dgm:txFillClrLst meth="repeat">
+      <a:schemeClr val="lt1"/>
+    </dgm:txFillClrLst>
+    <dgm:txEffectClrLst/>
+  </dgm:styleLbl>
+  <dgm:styleLbl name="sibTrans2D1">
+    <dgm:fillClrLst>
+      <a:schemeClr val="accent5"/>
+      <a:schemeClr val="accent6"/>
+    </dgm:fillClrLst>
+    <dgm:linClrLst meth="repeat">
+      <a:schemeClr val="lt1"/>
+    </dgm:linClrLst>
+    <dgm:effectClrLst/>
+    <dgm:txLinClrLst/>
+    <dgm:txFillClrLst/>
+    <dgm:txEffectClrLst/>
+  </dgm:styleLbl>
+  <dgm:styleLbl name="fgSibTrans2D1">
+    <dgm:fillClrLst>
+      <a:schemeClr val="accent5"/>
+      <a:schemeClr val="accent6"/>
+    </dgm:fillClrLst>
+    <dgm:linClrLst meth="repeat">
+      <a:schemeClr val="lt1"/>
+    </dgm:linClrLst>
+    <dgm:effectClrLst/>
+    <dgm:txLinClrLst/>
+    <dgm:txFillClrLst meth="repeat">
+      <a:schemeClr val="lt1"/>
+    </dgm:txFillClrLst>
+    <dgm:txEffectClrLst/>
+  </dgm:styleLbl>
+  <dgm:styleLbl name="bgSibTrans2D1">
+    <dgm:fillClrLst>
+      <a:schemeClr val="accent5"/>
+      <a:schemeClr val="accent6"/>
+    </dgm:fillClrLst>
+    <dgm:linClrLst meth="repeat">
+      <a:schemeClr val="lt1"/>
+    </dgm:linClrLst>
+    <dgm:effectClrLst/>
+    <dgm:txLinClrLst/>
+    <dgm:txFillClrLst meth="repeat">
+      <a:schemeClr val="lt1"/>
+    </dgm:txFillClrLst>
+    <dgm:txEffectClrLst/>
+  </dgm:styleLbl>
+  <dgm:styleLbl name="sibTrans1D1">
+    <dgm:fillClrLst/>
+    <dgm:linClrLst>
+      <a:schemeClr val="accent5"/>
+      <a:schemeClr val="accent6"/>
+    </dgm:linClrLst>
+    <dgm:effectClrLst/>
+    <dgm:txLinClrLst/>
+    <dgm:txFillClrLst meth="repeat">
+      <a:schemeClr val="tx1"/>
+    </dgm:txFillClrLst>
+    <dgm:txEffectClrLst/>
+  </dgm:styleLbl>
+  <dgm:styleLbl name="callout">
+    <dgm:fillClrLst meth="repeat">
+      <a:schemeClr val="accent5"/>
+    </dgm:fillClrLst>
+    <dgm:linClrLst meth="repeat">
+      <a:schemeClr val="accent5">
+        <a:tint val="50000"/>
+      </a:schemeClr>
+    </dgm:linClrLst>
+    <dgm:effectClrLst/>
+    <dgm:txLinClrLst/>
+    <dgm:txFillClrLst meth="repeat">
+      <a:schemeClr val="tx1"/>
+    </dgm:txFillClrLst>
+    <dgm:txEffectClrLst/>
+  </dgm:styleLbl>
+  <dgm:styleLbl name="asst0">
+    <dgm:fillClrLst meth="repeat">
+      <a:schemeClr val="accent5"/>
+    </dgm:fillClrLst>
+    <dgm:linClrLst meth="repeat">
+      <a:schemeClr val="lt1">
+        <a:shade val="80000"/>
+      </a:schemeClr>
+    </dgm:linClrLst>
+    <dgm:effectClrLst/>
+    <dgm:txLinClrLst/>
+    <dgm:txFillClrLst/>
+    <dgm:txEffectClrLst/>
+  </dgm:styleLbl>
+  <dgm:styleLbl name="asst1">
+    <dgm:fillClrLst meth="repeat">
+      <a:schemeClr val="accent6"/>
+    </dgm:fillClrLst>
+    <dgm:linClrLst meth="repeat">
+      <a:schemeClr val="lt1">
+        <a:shade val="80000"/>
+      </a:schemeClr>
+    </dgm:linClrLst>
+    <dgm:effectClrLst/>
+    <dgm:txLinClrLst/>
+    <dgm:txFillClrLst/>
+    <dgm:txEffectClrLst/>
+  </dgm:styleLbl>
+  <dgm:styleLbl name="asst2">
+    <dgm:fillClrLst>
+      <a:schemeClr val="accent1"/>
+    </dgm:fillClrLst>
+    <dgm:linClrLst meth="repeat">
+      <a:schemeClr val="lt1"/>
+    </dgm:linClrLst>
+    <dgm:effectClrLst/>
+    <dgm:txLinClrLst/>
+    <dgm:txFillClrLst/>
+    <dgm:txEffectClrLst/>
+  </dgm:styleLbl>
+  <dgm:styleLbl name="asst3">
+    <dgm:fillClrLst>
+      <a:schemeClr val="accent2"/>
+    </dgm:fillClrLst>
+    <dgm:linClrLst meth="repeat">
+      <a:schemeClr val="lt1"/>
+    </dgm:linClrLst>
+    <dgm:effectClrLst/>
+    <dgm:txLinClrLst/>
+    <dgm:txFillClrLst/>
+    <dgm:txEffectClrLst/>
+  </dgm:styleLbl>
+  <dgm:styleLbl name="asst4">
+    <dgm:fillClrLst>
+      <a:schemeClr val="accent3"/>
+    </dgm:fillClrLst>
+    <dgm:linClrLst meth="repeat">
+      <a:schemeClr val="lt1"/>
+    </dgm:linClrLst>
+    <dgm:effectClrLst/>
+    <dgm:txLinClrLst/>
+    <dgm:txFillClrLst/>
+    <dgm:txEffectClrLst/>
+  </dgm:styleLbl>
+  <dgm:styleLbl name="parChTrans2D1">
+    <dgm:fillClrLst meth="repeat">
+      <a:schemeClr val="accent5"/>
+    </dgm:fillClrLst>
+    <dgm:linClrLst meth="repeat">
+      <a:schemeClr val="lt1"/>
+    </dgm:linClrLst>
+    <dgm:effectClrLst/>
+    <dgm:txLinClrLst/>
+    <dgm:txFillClrLst meth="repeat">
+      <a:schemeClr val="lt1"/>
+    </dgm:txFillClrLst>
+    <dgm:txEffectClrLst/>
+  </dgm:styleLbl>
+  <dgm:styleLbl name="parChTrans2D2">
+    <dgm:fillClrLst meth="repeat">
+      <a:schemeClr val="accent6"/>
+    </dgm:fillClrLst>
+    <dgm:linClrLst meth="repeat">
+      <a:schemeClr val="lt1"/>
+    </dgm:linClrLst>
+    <dgm:effectClrLst/>
+    <dgm:txLinClrLst/>
+    <dgm:txFillClrLst/>
+    <dgm:txEffectClrLst/>
+  </dgm:styleLbl>
+  <dgm:styleLbl name="parChTrans2D3">
+    <dgm:fillClrLst meth="repeat">
+      <a:schemeClr val="accent6"/>
+    </dgm:fillClrLst>
+    <dgm:linClrLst meth="repeat">
+      <a:schemeClr val="lt1"/>
+    </dgm:linClrLst>
+    <dgm:effectClrLst/>
+    <dgm:txLinClrLst/>
+    <dgm:txFillClrLst/>
+    <dgm:txEffectClrLst/>
+  </dgm:styleLbl>
+  <dgm:styleLbl name="parChTrans2D4">
+    <dgm:fillClrLst meth="repeat">
+      <a:schemeClr val="accent1"/>
+    </dgm:fillClrLst>
+    <dgm:linClrLst meth="repeat">
+      <a:schemeClr val="lt1"/>
+    </dgm:linClrLst>
+    <dgm:effectClrLst/>
+    <dgm:txLinClrLst/>
+    <dgm:txFillClrLst meth="repeat">
+      <a:schemeClr val="lt1"/>
+    </dgm:txFillClrLst>
+    <dgm:txEffectClrLst/>
+  </dgm:styleLbl>
+  <dgm:styleLbl name="parChTrans1D1">
+    <dgm:fillClrLst meth="repeat">
+      <a:schemeClr val="accent5"/>
+    </dgm:fillClrLst>
+    <dgm:linClrLst meth="repeat">
+      <a:schemeClr val="accent5"/>
+    </dgm:linClrLst>
+    <dgm:effectClrLst/>
+    <dgm:txLinClrLst/>
+    <dgm:txFillClrLst meth="repeat">
+      <a:schemeClr val="tx1"/>
+    </dgm:txFillClrLst>
+    <dgm:txEffectClrLst/>
+  </dgm:styleLbl>
+  <dgm:styleLbl name="parChTrans1D2">
+    <dgm:fillClrLst meth="repeat">
+      <a:schemeClr val="accent6">
+        <a:tint val="90000"/>
+      </a:schemeClr>
+    </dgm:fillClrLst>
+    <dgm:linClrLst meth="repeat">
+      <a:schemeClr val="accent6"/>
+    </dgm:linClrLst>
+    <dgm:effectClrLst/>
+    <dgm:txLinClrLst/>
+    <dgm:txFillClrLst meth="repeat">
+      <a:schemeClr val="tx1"/>
+    </dgm:txFillClrLst>
+    <dgm:txEffectClrLst/>
+  </dgm:styleLbl>
+  <dgm:styleLbl name="parChTrans1D3">
+    <dgm:fillClrLst meth="repeat">
+      <a:schemeClr val="accent6">
+        <a:tint val="70000"/>
+      </a:schemeClr>
+    </dgm:fillClrLst>
+    <dgm:linClrLst meth="repeat">
+      <a:schemeClr val="accent1"/>
+    </dgm:linClrLst>
+    <dgm:effectClrLst/>
+    <dgm:txLinClrLst/>
+    <dgm:txFillClrLst meth="repeat">
+      <a:schemeClr val="tx1"/>
+    </dgm:txFillClrLst>
+    <dgm:txEffectClrLst/>
+  </dgm:styleLbl>
+  <dgm:styleLbl name="parChTrans1D4">
+    <dgm:fillClrLst meth="repeat">
+      <a:schemeClr val="accent6">
+        <a:tint val="50000"/>
+      </a:schemeClr>
+    </dgm:fillClrLst>
+    <dgm:linClrLst meth="repeat">
+      <a:schemeClr val="accent2"/>
+    </dgm:linClrLst>
+    <dgm:effectClrLst/>
+    <dgm:txLinClrLst/>
+    <dgm:txFillClrLst meth="repeat">
+      <a:schemeClr val="tx1"/>
+    </dgm:txFillClrLst>
+    <dgm:txEffectClrLst/>
+  </dgm:styleLbl>
+  <dgm:styleLbl name="fgAcc1">
+    <dgm:fillClrLst meth="repeat">
+      <a:schemeClr val="lt1">
+        <a:alpha val="90000"/>
+      </a:schemeClr>
+    </dgm:fillClrLst>
+    <dgm:linClrLst>
+      <a:schemeClr val="accent5"/>
+      <a:schemeClr val="accent6"/>
+    </dgm:linClrLst>
+    <dgm:effectClrLst/>
+    <dgm:txLinClrLst/>
+    <dgm:txFillClrLst meth="repeat">
+      <a:schemeClr val="dk1"/>
+    </dgm:txFillClrLst>
+    <dgm:txEffectClrLst/>
+  </dgm:styleLbl>
+  <dgm:styleLbl name="conFgAcc1">
+    <dgm:fillClrLst meth="repeat">
+      <a:schemeClr val="lt1">
+        <a:alpha val="90000"/>
+      </a:schemeClr>
+    </dgm:fillClrLst>
+    <dgm:linClrLst>
+      <a:schemeClr val="accent5"/>
+      <a:schemeClr val="accent6"/>
+    </dgm:linClrLst>
+    <dgm:effectClrLst/>
+    <dgm:txLinClrLst/>
+    <dgm:txFillClrLst meth="repeat">
+      <a:schemeClr val="dk1"/>
+    </dgm:txFillClrLst>
+    <dgm:txEffectClrLst/>
+  </dgm:styleLbl>
+  <dgm:styleLbl name="alignAcc1">
+    <dgm:fillClrLst meth="repeat">
+      <a:schemeClr val="lt1">
+        <a:alpha val="90000"/>
+      </a:schemeClr>
+    </dgm:fillClrLst>
+    <dgm:linClrLst>
+      <a:schemeClr val="accent5"/>
+      <a:schemeClr val="accent6"/>
+    </dgm:linClrLst>
+    <dgm:effectClrLst/>
+    <dgm:txLinClrLst/>
+    <dgm:txFillClrLst meth="repeat">
+      <a:schemeClr val="dk1"/>
+    </dgm:txFillClrLst>
+    <dgm:txEffectClrLst/>
+  </dgm:styleLbl>
+  <dgm:styleLbl name="trAlignAcc1">
+    <dgm:fillClrLst meth="repeat">
+      <a:schemeClr val="lt1">
+        <a:alpha val="40000"/>
+      </a:schemeClr>
+    </dgm:fillClrLst>
+    <dgm:linClrLst meth="repeat">
+      <a:schemeClr val="accent5"/>
+    </dgm:linClrLst>
+    <dgm:effectClrLst/>
+    <dgm:txLinClrLst/>
+    <dgm:txFillClrLst meth="repeat">
+      <a:schemeClr val="dk1"/>
+    </dgm:txFillClrLst>
+    <dgm:txEffectClrLst/>
+  </dgm:styleLbl>
+  <dgm:styleLbl name="bgAcc1">
+    <dgm:fillClrLst meth="repeat">
+      <a:schemeClr val="lt1">
+        <a:alpha val="90000"/>
+      </a:schemeClr>
+    </dgm:fillClrLst>
+    <dgm:linClrLst>
+      <a:schemeClr val="accent5"/>
+      <a:schemeClr val="accent6"/>
+    </dgm:linClrLst>
+    <dgm:effectClrLst/>
+    <dgm:txLinClrLst/>
+    <dgm:txFillClrLst meth="repeat">
+      <a:schemeClr val="dk1"/>
+    </dgm:txFillClrLst>
+    <dgm:txEffectClrLst/>
+  </dgm:styleLbl>
+  <dgm:styleLbl name="solidFgAcc1">
+    <dgm:fillClrLst meth="repeat">
+      <a:schemeClr val="lt1"/>
+    </dgm:fillClrLst>
+    <dgm:linClrLst>
+      <a:schemeClr val="accent5"/>
+      <a:schemeClr val="accent6"/>
+    </dgm:linClrLst>
+    <dgm:effectClrLst/>
+    <dgm:txLinClrLst/>
+    <dgm:txFillClrLst meth="repeat">
+      <a:schemeClr val="dk1"/>
+    </dgm:txFillClrLst>
+    <dgm:txEffectClrLst/>
+  </dgm:styleLbl>
+  <dgm:styleLbl name="solidAlignAcc1">
+    <dgm:fillClrLst meth="repeat">
+      <a:schemeClr val="lt1"/>
+    </dgm:fillClrLst>
+    <dgm:linClrLst>
+      <a:schemeClr val="accent5"/>
+      <a:schemeClr val="accent6"/>
+    </dgm:linClrLst>
+    <dgm:effectClrLst/>
+    <dgm:txLinClrLst/>
+    <dgm:txFillClrLst meth="repeat">
+      <a:schemeClr val="dk1"/>
+    </dgm:txFillClrLst>
+    <dgm:txEffectClrLst/>
+  </dgm:styleLbl>
+  <dgm:styleLbl name="solidBgAcc1">
+    <dgm:fillClrLst meth="repeat">
+      <a:schemeClr val="lt1"/>
+    </dgm:fillClrLst>
+    <dgm:linClrLst>
+      <a:schemeClr val="accent5"/>
+      <a:schemeClr val="accent6"/>
+    </dgm:linClrLst>
+    <dgm:effectClrLst/>
+    <dgm:txLinClrLst/>
+    <dgm:txFillClrLst meth="repeat">
+      <a:schemeClr val="dk1"/>
+    </dgm:txFillClrLst>
+    <dgm:txEffectClrLst/>
+  </dgm:styleLbl>
+  <dgm:styleLbl name="fgAccFollowNode1">
+    <dgm:fillClrLst>
+      <a:schemeClr val="accent5">
+        <a:tint val="40000"/>
+        <a:alpha val="90000"/>
+      </a:schemeClr>
+      <a:schemeClr val="accent6">
+        <a:tint val="40000"/>
+        <a:alpha val="90000"/>
+      </a:schemeClr>
+    </dgm:fillClrLst>
+    <dgm:linClrLst>
+      <a:schemeClr val="accent5">
+        <a:tint val="40000"/>
+        <a:alpha val="90000"/>
+      </a:schemeClr>
+      <a:schemeClr val="accent5">
+        <a:tint val="40000"/>
+        <a:alpha val="90000"/>
+      </a:schemeClr>
+    </dgm:linClrLst>
+    <dgm:effectClrLst/>
+    <dgm:txLinClrLst/>
+    <dgm:txFillClrLst meth="repeat">
+      <a:schemeClr val="dk1"/>
+    </dgm:txFillClrLst>
+    <dgm:txEffectClrLst/>
+  </dgm:styleLbl>
+  <dgm:styleLbl name="alignAccFollowNode1">
+    <dgm:fillClrLst>
+      <a:schemeClr val="accent5">
+        <a:tint val="40000"/>
+        <a:alpha val="90000"/>
+      </a:schemeClr>
+      <a:schemeClr val="accent6">
+        <a:tint val="40000"/>
+        <a:alpha val="90000"/>
+      </a:schemeClr>
+    </dgm:fillClrLst>
+    <dgm:linClrLst>
+      <a:schemeClr val="accent5">
+        <a:tint val="40000"/>
+        <a:alpha val="90000"/>
+      </a:schemeClr>
+      <a:schemeClr val="accent6">
+        <a:tint val="40000"/>
+        <a:alpha val="90000"/>
+      </a:schemeClr>
+    </dgm:linClrLst>
+    <dgm:effectClrLst/>
+    <dgm:txLinClrLst/>
+    <dgm:txFillClrLst meth="repeat">
+      <a:schemeClr val="dk1"/>
+    </dgm:txFillClrLst>
+    <dgm:txEffectClrLst/>
+  </dgm:styleLbl>
+  <dgm:styleLbl name="bgAccFollowNode1">
+    <dgm:fillClrLst>
+      <a:schemeClr val="accent5">
+        <a:tint val="40000"/>
+        <a:alpha val="90000"/>
+      </a:schemeClr>
+      <a:schemeClr val="accent6">
+        <a:tint val="40000"/>
+        <a:alpha val="90000"/>
+      </a:schemeClr>
+    </dgm:fillClrLst>
+    <dgm:linClrLst>
+      <a:schemeClr val="accent5">
+        <a:tint val="40000"/>
+        <a:alpha val="90000"/>
+      </a:schemeClr>
+      <a:schemeClr val="accent6">
+        <a:tint val="40000"/>
+        <a:alpha val="90000"/>
+      </a:schemeClr>
+    </dgm:linClrLst>
+    <dgm:effectClrLst/>
+    <dgm:txLinClrLst/>
+    <dgm:txFillClrLst meth="repeat">
+      <a:schemeClr val="dk1"/>
+    </dgm:txFillClrLst>
+    <dgm:txEffectClrLst/>
+  </dgm:styleLbl>
+  <dgm:styleLbl name="fgAcc0">
+    <dgm:fillClrLst meth="repeat">
+      <a:schemeClr val="lt1">
+        <a:alpha val="90000"/>
+      </a:schemeClr>
+    </dgm:fillClrLst>
+    <dgm:linClrLst>
+      <a:schemeClr val="accent4"/>
+    </dgm:linClrLst>
+    <dgm:effectClrLst/>
+    <dgm:txLinClrLst/>
+    <dgm:txFillClrLst meth="repeat">
+      <a:schemeClr val="dk1"/>
+    </dgm:txFillClrLst>
+    <dgm:txEffectClrLst/>
+  </dgm:styleLbl>
+  <dgm:styleLbl name="fgAcc2">
+    <dgm:fillClrLst meth="repeat">
+      <a:schemeClr val="lt1">
+        <a:alpha val="90000"/>
+      </a:schemeClr>
+    </dgm:fillClrLst>
+    <dgm:linClrLst>
+      <a:schemeClr val="accent6"/>
+    </dgm:linClrLst>
+    <dgm:effectClrLst/>
+    <dgm:txLinClrLst/>
+    <dgm:txFillClrLst meth="repeat">
+      <a:schemeClr val="dk1"/>
+    </dgm:txFillClrLst>
+    <dgm:txEffectClrLst/>
+  </dgm:styleLbl>
+  <dgm:styleLbl name="fgAcc3">
+    <dgm:fillClrLst meth="repeat">
+      <a:schemeClr val="lt1">
+        <a:alpha val="90000"/>
+      </a:schemeClr>
+    </dgm:fillClrLst>
+    <dgm:linClrLst>
+      <a:schemeClr val="accent1"/>
+    </dgm:linClrLst>
+    <dgm:effectClrLst/>
+    <dgm:txLinClrLst/>
+    <dgm:txFillClrLst meth="repeat">
+      <a:schemeClr val="dk1"/>
+    </dgm:txFillClrLst>
+    <dgm:txEffectClrLst/>
+  </dgm:styleLbl>
+  <dgm:styleLbl name="fgAcc4">
+    <dgm:fillClrLst meth="repeat">
+      <a:schemeClr val="lt1">
+        <a:alpha val="90000"/>
+      </a:schemeClr>
+    </dgm:fillClrLst>
+    <dgm:linClrLst>
+      <a:schemeClr val="accent2"/>
+    </dgm:linClrLst>
+    <dgm:effectClrLst/>
+    <dgm:txLinClrLst/>
+    <dgm:txFillClrLst meth="repeat">
+      <a:schemeClr val="dk1"/>
+    </dgm:txFillClrLst>
+    <dgm:txEffectClrLst/>
+  </dgm:styleLbl>
+  <dgm:styleLbl name="bgShp">
+    <dgm:fillClrLst meth="repeat">
+      <a:schemeClr val="accent5">
+        <a:tint val="40000"/>
+      </a:schemeClr>
+    </dgm:fillClrLst>
+    <dgm:linClrLst meth="repeat">
+      <a:schemeClr val="dk1"/>
+    </dgm:linClrLst>
+    <dgm:effectClrLst/>
+    <dgm:txLinClrLst/>
+    <dgm:txFillClrLst meth="repeat">
+      <a:schemeClr val="dk1"/>
+    </dgm:txFillClrLst>
+    <dgm:txEffectClrLst/>
+  </dgm:styleLbl>
+  <dgm:styleLbl name="dkBgShp">
+    <dgm:fillClrLst meth="repeat">
+      <a:schemeClr val="accent5">
+        <a:shade val="90000"/>
+      </a:schemeClr>
+    </dgm:fillClrLst>
+    <dgm:linClrLst meth="repeat">
+      <a:schemeClr val="dk1"/>
+    </dgm:linClrLst>
+    <dgm:effectClrLst/>
+    <dgm:txLinClrLst/>
+    <dgm:txFillClrLst meth="repeat">
+      <a:schemeClr val="lt1"/>
+    </dgm:txFillClrLst>
+    <dgm:txEffectClrLst/>
+  </dgm:styleLbl>
+  <dgm:styleLbl name="trBgShp">
+    <dgm:fillClrLst meth="repeat">
+      <a:schemeClr val="accent5">
+        <a:tint val="50000"/>
+        <a:alpha val="40000"/>
+      </a:schemeClr>
+    </dgm:fillClrLst>
+    <dgm:linClrLst meth="repeat">
+      <a:schemeClr val="accent5"/>
+    </dgm:linClrLst>
+    <dgm:effectClrLst/>
+    <dgm:txLinClrLst/>
+    <dgm:txFillClrLst meth="repeat">
+      <a:schemeClr val="lt1"/>
+    </dgm:txFillClrLst>
+    <dgm:txEffectClrLst/>
+  </dgm:styleLbl>
+  <dgm:styleLbl name="fgShp">
+    <dgm:fillClrLst meth="repeat">
+      <a:schemeClr val="accent5">
+        <a:tint val="40000"/>
+      </a:schemeClr>
+    </dgm:fillClrLst>
+    <dgm:linClrLst meth="repeat">
+      <a:schemeClr val="lt1"/>
+    </dgm:linClrLst>
+    <dgm:effectClrLst/>
+    <dgm:txLinClrLst/>
+    <dgm:txFillClrLst meth="repeat">
+      <a:schemeClr val="dk1"/>
+    </dgm:txFillClrLst>
+    <dgm:txEffectClrLst/>
+  </dgm:styleLbl>
+  <dgm:styleLbl name="revTx">
+    <dgm:fillClrLst meth="repeat">
+      <a:schemeClr val="lt1">
+        <a:alpha val="0"/>
+      </a:schemeClr>
+    </dgm:fillClrLst>
+    <dgm:linClrLst meth="repeat">
+      <a:schemeClr val="dk1">
+        <a:alpha val="0"/>
+      </a:schemeClr>
+    </dgm:linClrLst>
+    <dgm:effectClrLst/>
+    <dgm:txLinClrLst/>
+    <dgm:txFillClrLst meth="repeat">
+      <a:schemeClr val="tx1"/>
+    </dgm:txFillClrLst>
+    <dgm:txEffectClrLst/>
+  </dgm:styleLbl>
+</dgm:colorsDef>
+</file>
+
+<file path=ppt/diagrams/data1.xml><?xml version="1.0" encoding="utf-8"?>
+<dgm:dataModel xmlns:dgm="http://schemas.openxmlformats.org/drawingml/2006/diagram" xmlns:a="http://schemas.openxmlformats.org/drawingml/2006/main">
+  <dgm:ptLst>
+    <dgm:pt modelId="{8EA685B6-2B1F-4911-B7A4-7F900AFFD171}" type="doc">
+      <dgm:prSet loTypeId="urn:microsoft.com/office/officeart/2005/8/layout/vList2" loCatId="list" qsTypeId="urn:microsoft.com/office/officeart/2005/8/quickstyle/simple1" qsCatId="simple" csTypeId="urn:microsoft.com/office/officeart/2005/8/colors/colorful5" csCatId="colorful"/>
+      <dgm:spPr/>
+      <dgm:t>
+        <a:bodyPr/>
+        <a:lstStyle/>
+        <a:p>
+          <a:endParaRPr lang="en-US"/>
+        </a:p>
+      </dgm:t>
+    </dgm:pt>
+    <dgm:pt modelId="{CA0DDC7B-C718-41FE-A079-4BBA522D3F71}">
+      <dgm:prSet/>
+      <dgm:spPr/>
+      <dgm:t>
+        <a:bodyPr/>
+        <a:lstStyle/>
+        <a:p>
+          <a:r>
+            <a:rPr lang="fr-FR"/>
+            <a:t>Réalisation</a:t>
+          </a:r>
+          <a:endParaRPr lang="en-US"/>
+        </a:p>
+      </dgm:t>
+    </dgm:pt>
+    <dgm:pt modelId="{5D5ABA0C-6CEE-4C21-88DF-2FA8BB9C55AB}" type="parTrans" cxnId="{ADEF9666-20DF-4E00-89F4-7C1DE72516BD}">
+      <dgm:prSet/>
+      <dgm:spPr/>
+      <dgm:t>
+        <a:bodyPr/>
+        <a:lstStyle/>
+        <a:p>
+          <a:endParaRPr lang="en-US"/>
+        </a:p>
+      </dgm:t>
+    </dgm:pt>
+    <dgm:pt modelId="{4D2EB789-73BD-4F39-94A3-E4F16C858A3C}" type="sibTrans" cxnId="{ADEF9666-20DF-4E00-89F4-7C1DE72516BD}">
+      <dgm:prSet/>
+      <dgm:spPr/>
+      <dgm:t>
+        <a:bodyPr/>
+        <a:lstStyle/>
+        <a:p>
+          <a:endParaRPr lang="en-US"/>
+        </a:p>
+      </dgm:t>
+    </dgm:pt>
+    <dgm:pt modelId="{A936A18F-8B90-4A00-BAF0-CEFCB5E649C4}">
+      <dgm:prSet/>
+      <dgm:spPr/>
+      <dgm:t>
+        <a:bodyPr/>
+        <a:lstStyle/>
+        <a:p>
+          <a:r>
+            <a:rPr lang="fr-FR"/>
+            <a:t>Pourquoi</a:t>
+          </a:r>
+          <a:endParaRPr lang="en-US"/>
+        </a:p>
+      </dgm:t>
+    </dgm:pt>
+    <dgm:pt modelId="{09C33461-C06C-474C-A207-D87E05EABF76}" type="parTrans" cxnId="{F378CD09-2477-4620-8EB0-D516686450DC}">
+      <dgm:prSet/>
+      <dgm:spPr/>
+      <dgm:t>
+        <a:bodyPr/>
+        <a:lstStyle/>
+        <a:p>
+          <a:endParaRPr lang="en-US"/>
+        </a:p>
+      </dgm:t>
+    </dgm:pt>
+    <dgm:pt modelId="{1E4B1BE0-0589-435A-AC6E-28845A2B32C2}" type="sibTrans" cxnId="{F378CD09-2477-4620-8EB0-D516686450DC}">
+      <dgm:prSet/>
+      <dgm:spPr/>
+      <dgm:t>
+        <a:bodyPr/>
+        <a:lstStyle/>
+        <a:p>
+          <a:endParaRPr lang="en-US"/>
+        </a:p>
+      </dgm:t>
+    </dgm:pt>
+    <dgm:pt modelId="{4F1B9BFA-BB3E-495A-B3D1-9298ACF048C2}">
+      <dgm:prSet/>
+      <dgm:spPr/>
+      <dgm:t>
+        <a:bodyPr/>
+        <a:lstStyle/>
+        <a:p>
+          <a:r>
+            <a:rPr lang="fr-FR"/>
+            <a:t>Pour qui</a:t>
+          </a:r>
+          <a:endParaRPr lang="en-US"/>
+        </a:p>
+      </dgm:t>
+    </dgm:pt>
+    <dgm:pt modelId="{4D0D26AF-7D39-4907-911A-60F1FB5AB19C}" type="parTrans" cxnId="{FE3ED695-DCC7-48A9-BEAE-88CDF73AA1B6}">
+      <dgm:prSet/>
+      <dgm:spPr/>
+      <dgm:t>
+        <a:bodyPr/>
+        <a:lstStyle/>
+        <a:p>
+          <a:endParaRPr lang="en-US"/>
+        </a:p>
+      </dgm:t>
+    </dgm:pt>
+    <dgm:pt modelId="{10DAB61C-B148-4E2E-8963-002CE8D90941}" type="sibTrans" cxnId="{FE3ED695-DCC7-48A9-BEAE-88CDF73AA1B6}">
+      <dgm:prSet/>
+      <dgm:spPr/>
+      <dgm:t>
+        <a:bodyPr/>
+        <a:lstStyle/>
+        <a:p>
+          <a:endParaRPr lang="en-US"/>
+        </a:p>
+      </dgm:t>
+    </dgm:pt>
+    <dgm:pt modelId="{A6F0350C-1C00-4E4F-BD55-3CDDCA617C4F}" type="pres">
+      <dgm:prSet presAssocID="{8EA685B6-2B1F-4911-B7A4-7F900AFFD171}" presName="linear" presStyleCnt="0">
+        <dgm:presLayoutVars>
+          <dgm:animLvl val="lvl"/>
+          <dgm:resizeHandles val="exact"/>
+        </dgm:presLayoutVars>
+      </dgm:prSet>
+      <dgm:spPr/>
+    </dgm:pt>
+    <dgm:pt modelId="{BD88FB9C-E29C-45CA-A295-C229E06B60A4}" type="pres">
+      <dgm:prSet presAssocID="{CA0DDC7B-C718-41FE-A079-4BBA522D3F71}" presName="parentText" presStyleLbl="node1" presStyleIdx="0" presStyleCnt="3">
+        <dgm:presLayoutVars>
+          <dgm:chMax val="0"/>
+          <dgm:bulletEnabled val="1"/>
+        </dgm:presLayoutVars>
+      </dgm:prSet>
+      <dgm:spPr/>
+    </dgm:pt>
+    <dgm:pt modelId="{2B0565A5-74E1-4571-A85C-A30C54468F8F}" type="pres">
+      <dgm:prSet presAssocID="{4D2EB789-73BD-4F39-94A3-E4F16C858A3C}" presName="spacer" presStyleCnt="0"/>
+      <dgm:spPr/>
+    </dgm:pt>
+    <dgm:pt modelId="{6AA31737-61B0-4CA9-932D-904D4C09FBA7}" type="pres">
+      <dgm:prSet presAssocID="{A936A18F-8B90-4A00-BAF0-CEFCB5E649C4}" presName="parentText" presStyleLbl="node1" presStyleIdx="1" presStyleCnt="3">
+        <dgm:presLayoutVars>
+          <dgm:chMax val="0"/>
+          <dgm:bulletEnabled val="1"/>
+        </dgm:presLayoutVars>
+      </dgm:prSet>
+      <dgm:spPr/>
+    </dgm:pt>
+    <dgm:pt modelId="{E65EA1FE-DCD5-4037-AD17-D1717F7D0DB9}" type="pres">
+      <dgm:prSet presAssocID="{1E4B1BE0-0589-435A-AC6E-28845A2B32C2}" presName="spacer" presStyleCnt="0"/>
+      <dgm:spPr/>
+    </dgm:pt>
+    <dgm:pt modelId="{F04B9E7D-9971-4C39-9300-79F3CDD85AC7}" type="pres">
+      <dgm:prSet presAssocID="{4F1B9BFA-BB3E-495A-B3D1-9298ACF048C2}" presName="parentText" presStyleLbl="node1" presStyleIdx="2" presStyleCnt="3">
+        <dgm:presLayoutVars>
+          <dgm:chMax val="0"/>
+          <dgm:bulletEnabled val="1"/>
+        </dgm:presLayoutVars>
+      </dgm:prSet>
+      <dgm:spPr/>
+    </dgm:pt>
+  </dgm:ptLst>
+  <dgm:cxnLst>
+    <dgm:cxn modelId="{F378CD09-2477-4620-8EB0-D516686450DC}" srcId="{8EA685B6-2B1F-4911-B7A4-7F900AFFD171}" destId="{A936A18F-8B90-4A00-BAF0-CEFCB5E649C4}" srcOrd="1" destOrd="0" parTransId="{09C33461-C06C-474C-A207-D87E05EABF76}" sibTransId="{1E4B1BE0-0589-435A-AC6E-28845A2B32C2}"/>
+    <dgm:cxn modelId="{80B9F42A-66D9-450D-A689-C3D0D95079B7}" type="presOf" srcId="{4F1B9BFA-BB3E-495A-B3D1-9298ACF048C2}" destId="{F04B9E7D-9971-4C39-9300-79F3CDD85AC7}" srcOrd="0" destOrd="0" presId="urn:microsoft.com/office/officeart/2005/8/layout/vList2"/>
+    <dgm:cxn modelId="{9A542531-09A4-4F8D-AEB6-952708CB7A9A}" type="presOf" srcId="{CA0DDC7B-C718-41FE-A079-4BBA522D3F71}" destId="{BD88FB9C-E29C-45CA-A295-C229E06B60A4}" srcOrd="0" destOrd="0" presId="urn:microsoft.com/office/officeart/2005/8/layout/vList2"/>
+    <dgm:cxn modelId="{9EA68139-B96D-4AFD-87D7-6910928A000B}" type="presOf" srcId="{A936A18F-8B90-4A00-BAF0-CEFCB5E649C4}" destId="{6AA31737-61B0-4CA9-932D-904D4C09FBA7}" srcOrd="0" destOrd="0" presId="urn:microsoft.com/office/officeart/2005/8/layout/vList2"/>
+    <dgm:cxn modelId="{ADEF9666-20DF-4E00-89F4-7C1DE72516BD}" srcId="{8EA685B6-2B1F-4911-B7A4-7F900AFFD171}" destId="{CA0DDC7B-C718-41FE-A079-4BBA522D3F71}" srcOrd="0" destOrd="0" parTransId="{5D5ABA0C-6CEE-4C21-88DF-2FA8BB9C55AB}" sibTransId="{4D2EB789-73BD-4F39-94A3-E4F16C858A3C}"/>
+    <dgm:cxn modelId="{DAEFBA7B-2F5F-448A-BCB3-C62747FA77C4}" type="presOf" srcId="{8EA685B6-2B1F-4911-B7A4-7F900AFFD171}" destId="{A6F0350C-1C00-4E4F-BD55-3CDDCA617C4F}" srcOrd="0" destOrd="0" presId="urn:microsoft.com/office/officeart/2005/8/layout/vList2"/>
+    <dgm:cxn modelId="{FE3ED695-DCC7-48A9-BEAE-88CDF73AA1B6}" srcId="{8EA685B6-2B1F-4911-B7A4-7F900AFFD171}" destId="{4F1B9BFA-BB3E-495A-B3D1-9298ACF048C2}" srcOrd="2" destOrd="0" parTransId="{4D0D26AF-7D39-4907-911A-60F1FB5AB19C}" sibTransId="{10DAB61C-B148-4E2E-8963-002CE8D90941}"/>
+    <dgm:cxn modelId="{ACF70093-48AB-4B46-B970-6EC4FD3AF521}" type="presParOf" srcId="{A6F0350C-1C00-4E4F-BD55-3CDDCA617C4F}" destId="{BD88FB9C-E29C-45CA-A295-C229E06B60A4}" srcOrd="0" destOrd="0" presId="urn:microsoft.com/office/officeart/2005/8/layout/vList2"/>
+    <dgm:cxn modelId="{07395881-AEBA-4988-9279-68A93E5BCB95}" type="presParOf" srcId="{A6F0350C-1C00-4E4F-BD55-3CDDCA617C4F}" destId="{2B0565A5-74E1-4571-A85C-A30C54468F8F}" srcOrd="1" destOrd="0" presId="urn:microsoft.com/office/officeart/2005/8/layout/vList2"/>
+    <dgm:cxn modelId="{560E75D2-816A-4170-B867-523D68A3B5E8}" type="presParOf" srcId="{A6F0350C-1C00-4E4F-BD55-3CDDCA617C4F}" destId="{6AA31737-61B0-4CA9-932D-904D4C09FBA7}" srcOrd="2" destOrd="0" presId="urn:microsoft.com/office/officeart/2005/8/layout/vList2"/>
+    <dgm:cxn modelId="{2D8AEB8E-528D-4324-B211-996162ABE018}" type="presParOf" srcId="{A6F0350C-1C00-4E4F-BD55-3CDDCA617C4F}" destId="{E65EA1FE-DCD5-4037-AD17-D1717F7D0DB9}" srcOrd="3" destOrd="0" presId="urn:microsoft.com/office/officeart/2005/8/layout/vList2"/>
+    <dgm:cxn modelId="{D7D467AD-1EAE-4AD9-9CA4-67460ED2AF02}" type="presParOf" srcId="{A6F0350C-1C00-4E4F-BD55-3CDDCA617C4F}" destId="{F04B9E7D-9971-4C39-9300-79F3CDD85AC7}" srcOrd="4" destOrd="0" presId="urn:microsoft.com/office/officeart/2005/8/layout/vList2"/>
+  </dgm:cxnLst>
+  <dgm:bg/>
+  <dgm:whole/>
+  <dgm:extLst>
+    <a:ext uri="http://schemas.microsoft.com/office/drawing/2008/diagram">
+      <dsp:dataModelExt xmlns:dsp="http://schemas.microsoft.com/office/drawing/2008/diagram" relId="rId6" minVer="http://schemas.openxmlformats.org/drawingml/2006/diagram"/>
+    </a:ext>
+  </dgm:extLst>
+</dgm:dataModel>
+</file>
+
+<file path=ppt/diagrams/drawing1.xml><?xml version="1.0" encoding="utf-8"?>
+<dsp:drawing xmlns:dgm="http://schemas.openxmlformats.org/drawingml/2006/diagram" xmlns:dsp="http://schemas.microsoft.com/office/drawing/2008/diagram" xmlns:a="http://schemas.openxmlformats.org/drawingml/2006/main">
+  <dsp:spTree>
+    <dsp:nvGrpSpPr>
+      <dsp:cNvPr id="0" name=""/>
+      <dsp:cNvGrpSpPr/>
+    </dsp:nvGrpSpPr>
+    <dsp:grpSpPr/>
+    <dsp:sp modelId="{BD88FB9C-E29C-45CA-A295-C229E06B60A4}">
+      <dsp:nvSpPr>
+        <dsp:cNvPr id="0" name=""/>
+        <dsp:cNvSpPr/>
+      </dsp:nvSpPr>
+      <dsp:spPr>
+        <a:xfrm>
+          <a:off x="0" y="226606"/>
+          <a:ext cx="6263640" cy="1559025"/>
+        </a:xfrm>
+        <a:prstGeom prst="roundRect">
+          <a:avLst/>
+        </a:prstGeom>
+        <a:solidFill>
+          <a:schemeClr val="accent5">
+            <a:hueOff val="0"/>
+            <a:satOff val="0"/>
+            <a:lumOff val="0"/>
+            <a:alphaOff val="0"/>
+          </a:schemeClr>
+        </a:solidFill>
+        <a:ln w="12700" cap="flat" cmpd="sng" algn="ctr">
+          <a:solidFill>
+            <a:schemeClr val="lt1">
+              <a:hueOff val="0"/>
+              <a:satOff val="0"/>
+              <a:lumOff val="0"/>
+              <a:alphaOff val="0"/>
+            </a:schemeClr>
+          </a:solidFill>
+          <a:prstDash val="solid"/>
+          <a:miter lim="800000"/>
+        </a:ln>
+        <a:effectLst/>
+      </dsp:spPr>
+      <dsp:style>
+        <a:lnRef idx="2">
+          <a:scrgbClr r="0" g="0" b="0"/>
+        </a:lnRef>
+        <a:fillRef idx="1">
+          <a:scrgbClr r="0" g="0" b="0"/>
+        </a:fillRef>
+        <a:effectRef idx="0">
+          <a:scrgbClr r="0" g="0" b="0"/>
+        </a:effectRef>
+        <a:fontRef idx="minor">
+          <a:schemeClr val="lt1"/>
+        </a:fontRef>
+      </dsp:style>
+      <dsp:txBody>
+        <a:bodyPr spcFirstLastPara="0" vert="horz" wrap="square" lIns="247650" tIns="247650" rIns="247650" bIns="247650" numCol="1" spcCol="1270" anchor="ctr" anchorCtr="0">
+          <a:noAutofit/>
+        </a:bodyPr>
+        <a:lstStyle/>
+        <a:p>
+          <a:pPr marL="0" lvl="0" indent="0" algn="l" defTabSz="2889250">
+            <a:lnSpc>
+              <a:spcPct val="90000"/>
+            </a:lnSpc>
+            <a:spcBef>
+              <a:spcPct val="0"/>
+            </a:spcBef>
+            <a:spcAft>
+              <a:spcPct val="35000"/>
+            </a:spcAft>
+            <a:buNone/>
+          </a:pPr>
+          <a:r>
+            <a:rPr lang="fr-FR" sz="6500" kern="1200"/>
+            <a:t>Réalisation</a:t>
+          </a:r>
+          <a:endParaRPr lang="en-US" sz="6500" kern="1200"/>
+        </a:p>
+      </dsp:txBody>
+      <dsp:txXfrm>
+        <a:off x="76105" y="302711"/>
+        <a:ext cx="6111430" cy="1406815"/>
+      </dsp:txXfrm>
+    </dsp:sp>
+    <dsp:sp modelId="{6AA31737-61B0-4CA9-932D-904D4C09FBA7}">
+      <dsp:nvSpPr>
+        <dsp:cNvPr id="0" name=""/>
+        <dsp:cNvSpPr/>
+      </dsp:nvSpPr>
+      <dsp:spPr>
+        <a:xfrm>
+          <a:off x="0" y="1972831"/>
+          <a:ext cx="6263640" cy="1559025"/>
+        </a:xfrm>
+        <a:prstGeom prst="roundRect">
+          <a:avLst/>
+        </a:prstGeom>
+        <a:solidFill>
+          <a:schemeClr val="accent5">
+            <a:hueOff val="-3379271"/>
+            <a:satOff val="-8710"/>
+            <a:lumOff val="-5883"/>
+            <a:alphaOff val="0"/>
+          </a:schemeClr>
+        </a:solidFill>
+        <a:ln w="12700" cap="flat" cmpd="sng" algn="ctr">
+          <a:solidFill>
+            <a:schemeClr val="lt1">
+              <a:hueOff val="0"/>
+              <a:satOff val="0"/>
+              <a:lumOff val="0"/>
+              <a:alphaOff val="0"/>
+            </a:schemeClr>
+          </a:solidFill>
+          <a:prstDash val="solid"/>
+          <a:miter lim="800000"/>
+        </a:ln>
+        <a:effectLst/>
+      </dsp:spPr>
+      <dsp:style>
+        <a:lnRef idx="2">
+          <a:scrgbClr r="0" g="0" b="0"/>
+        </a:lnRef>
+        <a:fillRef idx="1">
+          <a:scrgbClr r="0" g="0" b="0"/>
+        </a:fillRef>
+        <a:effectRef idx="0">
+          <a:scrgbClr r="0" g="0" b="0"/>
+        </a:effectRef>
+        <a:fontRef idx="minor">
+          <a:schemeClr val="lt1"/>
+        </a:fontRef>
+      </dsp:style>
+      <dsp:txBody>
+        <a:bodyPr spcFirstLastPara="0" vert="horz" wrap="square" lIns="247650" tIns="247650" rIns="247650" bIns="247650" numCol="1" spcCol="1270" anchor="ctr" anchorCtr="0">
+          <a:noAutofit/>
+        </a:bodyPr>
+        <a:lstStyle/>
+        <a:p>
+          <a:pPr marL="0" lvl="0" indent="0" algn="l" defTabSz="2889250">
+            <a:lnSpc>
+              <a:spcPct val="90000"/>
+            </a:lnSpc>
+            <a:spcBef>
+              <a:spcPct val="0"/>
+            </a:spcBef>
+            <a:spcAft>
+              <a:spcPct val="35000"/>
+            </a:spcAft>
+            <a:buNone/>
+          </a:pPr>
+          <a:r>
+            <a:rPr lang="fr-FR" sz="6500" kern="1200"/>
+            <a:t>Pourquoi</a:t>
+          </a:r>
+          <a:endParaRPr lang="en-US" sz="6500" kern="1200"/>
+        </a:p>
+      </dsp:txBody>
+      <dsp:txXfrm>
+        <a:off x="76105" y="2048936"/>
+        <a:ext cx="6111430" cy="1406815"/>
+      </dsp:txXfrm>
+    </dsp:sp>
+    <dsp:sp modelId="{F04B9E7D-9971-4C39-9300-79F3CDD85AC7}">
+      <dsp:nvSpPr>
+        <dsp:cNvPr id="0" name=""/>
+        <dsp:cNvSpPr/>
+      </dsp:nvSpPr>
+      <dsp:spPr>
+        <a:xfrm>
+          <a:off x="0" y="3719056"/>
+          <a:ext cx="6263640" cy="1559025"/>
+        </a:xfrm>
+        <a:prstGeom prst="roundRect">
+          <a:avLst/>
+        </a:prstGeom>
+        <a:solidFill>
+          <a:schemeClr val="accent5">
+            <a:hueOff val="-6758543"/>
+            <a:satOff val="-17419"/>
+            <a:lumOff val="-11765"/>
+            <a:alphaOff val="0"/>
+          </a:schemeClr>
+        </a:solidFill>
+        <a:ln w="12700" cap="flat" cmpd="sng" algn="ctr">
+          <a:solidFill>
+            <a:schemeClr val="lt1">
+              <a:hueOff val="0"/>
+              <a:satOff val="0"/>
+              <a:lumOff val="0"/>
+              <a:alphaOff val="0"/>
+            </a:schemeClr>
+          </a:solidFill>
+          <a:prstDash val="solid"/>
+          <a:miter lim="800000"/>
+        </a:ln>
+        <a:effectLst/>
+      </dsp:spPr>
+      <dsp:style>
+        <a:lnRef idx="2">
+          <a:scrgbClr r="0" g="0" b="0"/>
+        </a:lnRef>
+        <a:fillRef idx="1">
+          <a:scrgbClr r="0" g="0" b="0"/>
+        </a:fillRef>
+        <a:effectRef idx="0">
+          <a:scrgbClr r="0" g="0" b="0"/>
+        </a:effectRef>
+        <a:fontRef idx="minor">
+          <a:schemeClr val="lt1"/>
+        </a:fontRef>
+      </dsp:style>
+      <dsp:txBody>
+        <a:bodyPr spcFirstLastPara="0" vert="horz" wrap="square" lIns="247650" tIns="247650" rIns="247650" bIns="247650" numCol="1" spcCol="1270" anchor="ctr" anchorCtr="0">
+          <a:noAutofit/>
+        </a:bodyPr>
+        <a:lstStyle/>
+        <a:p>
+          <a:pPr marL="0" lvl="0" indent="0" algn="l" defTabSz="2889250">
+            <a:lnSpc>
+              <a:spcPct val="90000"/>
+            </a:lnSpc>
+            <a:spcBef>
+              <a:spcPct val="0"/>
+            </a:spcBef>
+            <a:spcAft>
+              <a:spcPct val="35000"/>
+            </a:spcAft>
+            <a:buNone/>
+          </a:pPr>
+          <a:r>
+            <a:rPr lang="fr-FR" sz="6500" kern="1200"/>
+            <a:t>Pour qui</a:t>
+          </a:r>
+          <a:endParaRPr lang="en-US" sz="6500" kern="1200"/>
+        </a:p>
+      </dsp:txBody>
+      <dsp:txXfrm>
+        <a:off x="76105" y="3795161"/>
+        <a:ext cx="6111430" cy="1406815"/>
+      </dsp:txXfrm>
+    </dsp:sp>
+  </dsp:spTree>
+</dsp:drawing>
+</file>
+
+<file path=ppt/diagrams/layout1.xml><?xml version="1.0" encoding="utf-8"?>
+<dgm:layoutDef xmlns:dgm="http://schemas.openxmlformats.org/drawingml/2006/diagram" xmlns:a="http://schemas.openxmlformats.org/drawingml/2006/main" uniqueId="urn:microsoft.com/office/officeart/2005/8/layout/vList2">
+  <dgm:title val=""/>
+  <dgm:desc val=""/>
+  <dgm:catLst>
+    <dgm:cat type="list" pri="3000"/>
+    <dgm:cat type="convert" pri="1000"/>
+  </dgm:catLst>
+  <dgm:sampData>
+    <dgm:dataModel>
+      <dgm:ptLst>
+        <dgm:pt modelId="0" type="doc"/>
+        <dgm:pt modelId="1">
+          <dgm:prSet phldr="1"/>
+        </dgm:pt>
+        <dgm:pt modelId="11">
+          <dgm:prSet phldr="1"/>
+        </dgm:pt>
+        <dgm:pt modelId="2">
+          <dgm:prSet phldr="1"/>
+        </dgm:pt>
+        <dgm:pt modelId="21">
+          <dgm:prSet phldr="1"/>
+        </dgm:pt>
+      </dgm:ptLst>
+      <dgm:cxnLst>
+        <dgm:cxn modelId="4" srcId="0" destId="1" srcOrd="0" destOrd="0"/>
+        <dgm:cxn modelId="5" srcId="0" destId="2" srcOrd="1" destOrd="0"/>
+        <dgm:cxn modelId="12" srcId="1" destId="11" srcOrd="0" destOrd="0"/>
+        <dgm:cxn modelId="23" srcId="2" destId="21" srcOrd="0" destOrd="0"/>
+      </dgm:cxnLst>
+      <dgm:bg/>
+      <dgm:whole/>
+    </dgm:dataModel>
+  </dgm:sampData>
+  <dgm:styleData>
+    <dgm:dataModel>
+      <dgm:ptLst>
+        <dgm:pt modelId="0" type="doc"/>
+        <dgm:pt modelId="1"/>
+        <dgm:pt modelId="2"/>
+      </dgm:ptLst>
+      <dgm:cxnLst>
+        <dgm:cxn modelId="3" srcId="0" destId="1" srcOrd="0" destOrd="0"/>
+        <dgm:cxn modelId="4" srcId="0" destId="2" srcOrd="1" destOrd="0"/>
+      </dgm:cxnLst>
+      <dgm:bg/>
+      <dgm:whole/>
+    </dgm:dataModel>
+  </dgm:styleData>
+  <dgm:clrData>
+    <dgm:dataModel>
+      <dgm:ptLst>
+        <dgm:pt modelId="0" type="doc"/>
+        <dgm:pt modelId="1"/>
+        <dgm:pt modelId="2"/>
+        <dgm:pt modelId="3"/>
+        <dgm:pt modelId="4"/>
+      </dgm:ptLst>
+      <dgm:cxnLst>
+        <dgm:cxn modelId="5" srcId="0" destId="1" srcOrd="0" destOrd="0"/>
+        <dgm:cxn modelId="6" srcId="0" destId="2" srcOrd="1" destOrd="0"/>
+        <dgm:cxn modelId="7" srcId="0" destId="3" srcOrd="2" destOrd="0"/>
+        <dgm:cxn modelId="8" srcId="0" destId="4" srcOrd="3" destOrd="0"/>
+      </dgm:cxnLst>
+      <dgm:bg/>
+      <dgm:whole/>
+    </dgm:dataModel>
+  </dgm:clrData>
+  <dgm:layoutNode name="linear">
+    <dgm:varLst>
+      <dgm:animLvl val="lvl"/>
+      <dgm:resizeHandles val="exact"/>
+    </dgm:varLst>
+    <dgm:alg type="lin">
+      <dgm:param type="linDir" val="fromT"/>
+      <dgm:param type="vertAlign" val="mid"/>
+    </dgm:alg>
+    <dgm:shape xmlns:r="http://schemas.openxmlformats.org/officeDocument/2006/relationships" r:blip="">
+      <dgm:adjLst/>
+    </dgm:shape>
+    <dgm:presOf/>
+    <dgm:constrLst>
+      <dgm:constr type="w" for="ch" forName="parentText" refType="w"/>
+      <dgm:constr type="h" for="ch" forName="parentText" refType="primFontSz" refFor="ch" refForName="parentText" fact="0.52"/>
+      <dgm:constr type="w" for="ch" forName="childText" refType="w"/>
+      <dgm:constr type="h" for="ch" forName="childText" refType="primFontSz" refFor="ch" refForName="parentText" fact="0.46"/>
+      <dgm:constr type="h" for="ch" forName="parentText" op="equ"/>
+      <dgm:constr type="primFontSz" for="ch" forName="parentText" op="equ" val="65"/>
+      <dgm:constr type="primFontSz" for="ch" forName="childText" refType="primFontSz" refFor="ch" refForName="parentText" op="equ"/>
+      <dgm:constr type="h" for="ch" forName="spacer" refType="primFontSz" refFor="ch" refForName="parentText" fact="0.08"/>
+    </dgm:constrLst>
+    <dgm:ruleLst>
+      <dgm:rule type="primFontSz" for="ch" forName="parentText" val="5" fact="NaN" max="NaN"/>
+    </dgm:ruleLst>
+    <dgm:forEach name="Name0" axis="ch" ptType="node">
+      <dgm:layoutNode name="parentText" styleLbl="node1">
+        <dgm:varLst>
+          <dgm:chMax val="0"/>
+          <dgm:bulletEnabled val="1"/>
+        </dgm:varLst>
+        <dgm:alg type="tx">
+          <dgm:param type="parTxLTRAlign" val="l"/>
+          <dgm:param type="parTxRTLAlign" val="r"/>
+        </dgm:alg>
+        <dgm:shape xmlns:r="http://schemas.openxmlformats.org/officeDocument/2006/relationships" type="roundRect" r:blip="">
+          <dgm:adjLst/>
+        </dgm:shape>
+        <dgm:presOf axis="self"/>
+        <dgm:constrLst>
+          <dgm:constr type="tMarg" refType="primFontSz" fact="0.3"/>
+          <dgm:constr type="bMarg" refType="primFontSz" fact="0.3"/>
+          <dgm:constr type="lMarg" refType="primFontSz" fact="0.3"/>
+          <dgm:constr type="rMarg" refType="primFontSz" fact="0.3"/>
+        </dgm:constrLst>
+        <dgm:ruleLst>
+          <dgm:rule type="h" val="INF" fact="NaN" max="NaN"/>
+        </dgm:ruleLst>
+      </dgm:layoutNode>
+      <dgm:choose name="Name1">
+        <dgm:if name="Name2" axis="ch" ptType="node" func="cnt" op="gte" val="1">
+          <dgm:layoutNode name="childText" styleLbl="revTx">
+            <dgm:varLst>
+              <dgm:bulletEnabled val="1"/>
+            </dgm:varLst>
+            <dgm:alg type="tx">
+              <dgm:param type="stBulletLvl" val="1"/>
+              <dgm:param type="lnSpAfChP" val="20"/>
+            </dgm:alg>
+            <dgm:shape xmlns:r="http://schemas.openxmlformats.org/officeDocument/2006/relationships" type="rect" r:blip="">
+              <dgm:adjLst/>
+            </dgm:shape>
+            <dgm:presOf axis="des" ptType="node"/>
+            <dgm:constrLst>
+              <dgm:constr type="tMarg" refType="primFontSz" fact="0.1"/>
+              <dgm:constr type="bMarg" refType="primFontSz" fact="0.1"/>
+              <dgm:constr type="lMarg" refType="w" fact="0.09"/>
+            </dgm:constrLst>
+            <dgm:ruleLst>
+              <dgm:rule type="h" val="INF" fact="NaN" max="NaN"/>
+            </dgm:ruleLst>
+          </dgm:layoutNode>
+        </dgm:if>
+        <dgm:else name="Name3">
+          <dgm:choose name="Name4">
+            <dgm:if name="Name5" axis="par ch" ptType="doc node" func="cnt" op="gte" val="2">
+              <dgm:forEach name="Name6" axis="followSib" ptType="sibTrans" cnt="1">
+                <dgm:layoutNode name="spacer">
+                  <dgm:alg type="sp"/>
+                  <dgm:shape xmlns:r="http://schemas.openxmlformats.org/officeDocument/2006/relationships" r:blip="">
+                    <dgm:adjLst/>
+                  </dgm:shape>
+                  <dgm:presOf/>
+                  <dgm:constrLst/>
+                  <dgm:ruleLst/>
+                </dgm:layoutNode>
+              </dgm:forEach>
+            </dgm:if>
+            <dgm:else name="Name7"/>
+          </dgm:choose>
+        </dgm:else>
+      </dgm:choose>
+    </dgm:forEach>
+  </dgm:layoutNode>
+</dgm:layoutDef>
+</file>
+
+<file path=ppt/diagrams/quickStyle1.xml><?xml version="1.0" encoding="utf-8"?>
+<dgm:styleDef xmlns:dgm="http://schemas.openxmlformats.org/drawingml/2006/diagram" xmlns:a="http://schemas.openxmlformats.org/drawingml/2006/main" uniqueId="urn:microsoft.com/office/officeart/2005/8/quickstyle/simple1">
+  <dgm:title val=""/>
+  <dgm:desc val=""/>
+  <dgm:catLst>
+    <dgm:cat type="simple" pri="10100"/>
+  </dgm:catLst>
+  <dgm:scene3d>
+    <a:camera prst="orthographicFront"/>
+    <a:lightRig rig="threePt" dir="t"/>
+  </dgm:scene3d>
+  <dgm:styleLbl name="node0">
+    <dgm:scene3d>
+      <a:camera prst="orthographicFront"/>
+      <a:lightRig rig="threePt" dir="t"/>
+    </dgm:scene3d>
+    <dgm:sp3d/>
+    <dgm:txPr/>
+    <dgm:style>
+      <a:lnRef idx="2">
+        <a:scrgbClr r="0" g="0" b="0"/>
+      </a:lnRef>
+      <a:fillRef idx="1">
+        <a:scrgbClr r="0" g="0" b="0"/>
+      </a:fillRef>
+      <a:effectRef idx="0">
+        <a:scrgbClr r="0" g="0" b="0"/>
+      </a:effectRef>
+      <a:fontRef idx="minor">
+        <a:schemeClr val="lt1"/>
+      </a:fontRef>
+    </dgm:style>
+  </dgm:styleLbl>
+  <dgm:styleLbl name="lnNode1">
+    <dgm:scene3d>
+      <a:camera prst="orthographicFront"/>
+      <a:lightRig rig="threePt" dir="t"/>
+    </dgm:scene3d>
+    <dgm:sp3d/>
+    <dgm:txPr/>
+    <dgm:style>
+      <a:lnRef idx="2">
+        <a:scrgbClr r="0" g="0" b="0"/>
+      </a:lnRef>
+      <a:fillRef idx="1">
+        <a:scrgbClr r="0" g="0" b="0"/>
+      </a:fillRef>
+      <a:effectRef idx="0">
+        <a:scrgbClr r="0" g="0" b="0"/>
+      </a:effectRef>
+      <a:fontRef idx="minor">
+        <a:schemeClr val="lt1"/>
+      </a:fontRef>
+    </dgm:style>
+  </dgm:styleLbl>
+  <dgm:styleLbl name="vennNode1">
+    <dgm:scene3d>
+      <a:camera prst="orthographicFront"/>
+      <a:lightRig rig="threePt" dir="t"/>
+    </dgm:scene3d>
+    <dgm:sp3d/>
+    <dgm:txPr/>
+    <dgm:style>
+      <a:lnRef idx="2">
+        <a:scrgbClr r="0" g="0" b="0"/>
+      </a:lnRef>
+      <a:fillRef idx="1">
+        <a:scrgbClr r="0" g="0" b="0"/>
+      </a:fillRef>
+      <a:effectRef idx="0">
+        <a:scrgbClr r="0" g="0" b="0"/>
+      </a:effectRef>
+      <a:fontRef idx="minor">
+        <a:schemeClr val="tx1"/>
+      </a:fontRef>
+    </dgm:style>
+  </dgm:styleLbl>
+  <dgm:styleLbl name="alignNode1">
+    <dgm:scene3d>
+      <a:camera prst="orthographicFront"/>
+      <a:lightRig rig="threePt" dir="t"/>
+    </dgm:scene3d>
+    <dgm:sp3d/>
+    <dgm:txPr/>
+    <dgm:style>
+      <a:lnRef idx="2">
+        <a:scrgbClr r="0" g="0" b="0"/>
+      </a:lnRef>
+      <a:fillRef idx="1">
+        <a:scrgbClr r="0" g="0" b="0"/>
+      </a:fillRef>
+      <a:effectRef idx="0">
+        <a:scrgbClr r="0" g="0" b="0"/>
+      </a:effectRef>
+      <a:fontRef idx="minor">
+        <a:schemeClr val="lt1"/>
+      </a:fontRef>
+    </dgm:style>
+  </dgm:styleLbl>
+  <dgm:styleLbl name="node1">
+    <dgm:scene3d>
+      <a:camera prst="orthographicFront"/>
+      <a:lightRig rig="threePt" dir="t"/>
+    </dgm:scene3d>
+    <dgm:sp3d/>
+    <dgm:txPr/>
+    <dgm:style>
+      <a:lnRef idx="2">
+        <a:scrgbClr r="0" g="0" b="0"/>
+      </a:lnRef>
+      <a:fillRef idx="1">
+        <a:scrgbClr r="0" g="0" b="0"/>
+      </a:fillRef>
+      <a:effectRef idx="0">
+        <a:scrgbClr r="0" g="0" b="0"/>
+      </a:effectRef>
+      <a:fontRef idx="minor">
+        <a:schemeClr val="lt1"/>
+      </a:fontRef>
+    </dgm:style>
+  </dgm:styleLbl>
+  <dgm:styleLbl name="node2">
+    <dgm:scene3d>
+      <a:camera prst="orthographicFront"/>
+      <a:lightRig rig="threePt" dir="t"/>
+    </dgm:scene3d>
+    <dgm:sp3d/>
+    <dgm:txPr/>
+    <dgm:style>
+      <a:lnRef idx="2">
+        <a:scrgbClr r="0" g="0" b="0"/>
+      </a:lnRef>
+      <a:fillRef idx="1">
+        <a:scrgbClr r="0" g="0" b="0"/>
+      </a:fillRef>
+      <a:effectRef idx="0">
+        <a:scrgbClr r="0" g="0" b="0"/>
+      </a:effectRef>
+      <a:fontRef idx="minor">
+        <a:schemeClr val="lt1"/>
+      </a:fontRef>
+    </dgm:style>
+  </dgm:styleLbl>
+  <dgm:styleLbl name="node3">
+    <dgm:scene3d>
+      <a:camera prst="orthographicFront"/>
+      <a:lightRig rig="threePt" dir="t"/>
+    </dgm:scene3d>
+    <dgm:sp3d/>
+    <dgm:txPr/>
+    <dgm:style>
+      <a:lnRef idx="2">
+        <a:scrgbClr r="0" g="0" b="0"/>
+      </a:lnRef>
+      <a:fillRef idx="1">
+        <a:scrgbClr r="0" g="0" b="0"/>
+      </a:fillRef>
+      <a:effectRef idx="0">
+        <a:scrgbClr r="0" g="0" b="0"/>
+      </a:effectRef>
+      <a:fontRef idx="minor">
+        <a:schemeClr val="lt1"/>
+      </a:fontRef>
+    </dgm:style>
+  </dgm:styleLbl>
+  <dgm:styleLbl name="node4">
+    <dgm:scene3d>
+      <a:camera prst="orthographicFront"/>
+      <a:lightRig rig="threePt" dir="t"/>
+    </dgm:scene3d>
+    <dgm:sp3d/>
+    <dgm:txPr/>
+    <dgm:style>
+      <a:lnRef idx="2">
+        <a:scrgbClr r="0" g="0" b="0"/>
+      </a:lnRef>
+      <a:fillRef idx="1">
+        <a:scrgbClr r="0" g="0" b="0"/>
+      </a:fillRef>
+      <a:effectRef idx="0">
+        <a:scrgbClr r="0" g="0" b="0"/>
+      </a:effectRef>
+      <a:fontRef idx="minor">
+        <a:schemeClr val="lt1"/>
+      </a:fontRef>
+    </dgm:style>
+  </dgm:styleLbl>
+  <dgm:styleLbl name="fgImgPlace1">
+    <dgm:scene3d>
+      <a:camera prst="orthographicFront"/>
+      <a:lightRig rig="threePt" dir="t"/>
+    </dgm:scene3d>
+    <dgm:sp3d/>
+    <dgm:txPr/>
+    <dgm:style>
+      <a:lnRef idx="2">
+        <a:scrgbClr r="0" g="0" b="0"/>
+      </a:lnRef>
+      <a:fillRef idx="1">
+        <a:scrgbClr r="0" g="0" b="0"/>
+      </a:fillRef>
+      <a:effectRef idx="0">
+        <a:scrgbClr r="0" g="0" b="0"/>
+      </a:effectRef>
+      <a:fontRef idx="minor"/>
+    </dgm:style>
+  </dgm:styleLbl>
+  <dgm:styleLbl name="alignImgPlace1">
+    <dgm:scene3d>
+      <a:camera prst="orthographicFront"/>
+      <a:lightRig rig="threePt" dir="t"/>
+    </dgm:scene3d>
+    <dgm:sp3d/>
+    <dgm:txPr/>
+    <dgm:style>
+      <a:lnRef idx="2">
+        <a:scrgbClr r="0" g="0" b="0"/>
+      </a:lnRef>
+      <a:fillRef idx="1">
+        <a:scrgbClr r="0" g="0" b="0"/>
+      </a:fillRef>
+      <a:effectRef idx="0">
+        <a:scrgbClr r="0" g="0" b="0"/>
+      </a:effectRef>
+      <a:fontRef idx="minor"/>
+    </dgm:style>
+  </dgm:styleLbl>
+  <dgm:styleLbl name="bgImgPlace1">
+    <dgm:scene3d>
+      <a:camera prst="orthographicFront"/>
+      <a:lightRig rig="threePt" dir="t"/>
+    </dgm:scene3d>
+    <dgm:sp3d/>
+    <dgm:txPr/>
+    <dgm:style>
+      <a:lnRef idx="2">
+        <a:scrgbClr r="0" g="0" b="0"/>
+      </a:lnRef>
+      <a:fillRef idx="1">
+        <a:scrgbClr r="0" g="0" b="0"/>
+      </a:fillRef>
+      <a:effectRef idx="0">
+        <a:scrgbClr r="0" g="0" b="0"/>
+      </a:effectRef>
+      <a:fontRef idx="minor"/>
+    </dgm:style>
+  </dgm:styleLbl>
+  <dgm:styleLbl name="sibTrans2D1">
+    <dgm:scene3d>
+      <a:camera prst="orthographicFront"/>
+      <a:lightRig rig="threePt" dir="t"/>
+    </dgm:scene3d>
+    <dgm:sp3d/>
+    <dgm:txPr/>
+    <dgm:style>
+      <a:lnRef idx="0">
+        <a:scrgbClr r="0" g="0" b="0"/>
+      </a:lnRef>
+      <a:fillRef idx="1">
+        <a:scrgbClr r="0" g="0" b="0"/>
+      </a:fillRef>
+      <a:effectRef idx="0">
+        <a:scrgbClr r="0" g="0" b="0"/>
+      </a:effectRef>
+      <a:fontRef idx="minor">
+        <a:schemeClr val="lt1"/>
+      </a:fontRef>
+    </dgm:style>
+  </dgm:styleLbl>
+  <dgm:styleLbl name="fgSibTrans2D1">
+    <dgm:scene3d>
+      <a:camera prst="orthographicFront"/>
+      <a:lightRig rig="threePt" dir="t"/>
+    </dgm:scene3d>
+    <dgm:sp3d/>
+    <dgm:txPr/>
+    <dgm:style>
+      <a:lnRef idx="0">
+        <a:scrgbClr r="0" g="0" b="0"/>
+      </a:lnRef>
+      <a:fillRef idx="1">
+        <a:scrgbClr r="0" g="0" b="0"/>
+      </a:fillRef>
+      <a:effectRef idx="0">
+        <a:scrgbClr r="0" g="0" b="0"/>
+      </a:effectRef>
+      <a:fontRef idx="minor">
+        <a:schemeClr val="lt1"/>
+      </a:fontRef>
+    </dgm:style>
+  </dgm:styleLbl>
+  <dgm:styleLbl name="bgSibTrans2D1">
+    <dgm:scene3d>
+      <a:camera prst="orthographicFront"/>
+      <a:lightRig rig="threePt" dir="t"/>
+    </dgm:scene3d>
+    <dgm:sp3d/>
+    <dgm:txPr/>
+    <dgm:style>
+      <a:lnRef idx="0">
+        <a:scrgbClr r="0" g="0" b="0"/>
+      </a:lnRef>
+      <a:fillRef idx="1">
+        <a:scrgbClr r="0" g="0" b="0"/>
+      </a:fillRef>
+      <a:effectRef idx="0">
+        <a:scrgbClr r="0" g="0" b="0"/>
+      </a:effectRef>
+      <a:fontRef idx="minor">
+        <a:schemeClr val="lt1"/>
+      </a:fontRef>
+    </dgm:style>
+  </dgm:styleLbl>
+  <dgm:styleLbl name="sibTrans1D1">
+    <dgm:scene3d>
+      <a:camera prst="orthographicFront"/>
+      <a:lightRig rig="threePt" dir="t"/>
+    </dgm:scene3d>
+    <dgm:sp3d/>
+    <dgm:txPr/>
+    <dgm:style>
+      <a:lnRef idx="1">
+        <a:scrgbClr r="0" g="0" b="0"/>
+      </a:lnRef>
+      <a:fillRef idx="0">
+        <a:scrgbClr r="0" g="0" b="0"/>
+      </a:fillRef>
+      <a:effectRef idx="0">
+        <a:scrgbClr r="0" g="0" b="0"/>
+      </a:effectRef>
+      <a:fontRef idx="minor"/>
+    </dgm:style>
+  </dgm:styleLbl>
+  <dgm:styleLbl name="callout">
+    <dgm:scene3d>
+      <a:camera prst="orthographicFront"/>
+      <a:lightRig rig="threePt" dir="t"/>
+    </dgm:scene3d>
+    <dgm:sp3d/>
+    <dgm:txPr/>
+    <dgm:style>
+      <a:lnRef idx="2">
+        <a:scrgbClr r="0" g="0" b="0"/>
+      </a:lnRef>
+      <a:fillRef idx="1">
+        <a:scrgbClr r="0" g="0" b="0"/>
+      </a:fillRef>
+      <a:effectRef idx="0">
+        <a:scrgbClr r="0" g="0" b="0"/>
+      </a:effectRef>
+      <a:fontRef idx="minor"/>
+    </dgm:style>
+  </dgm:styleLbl>
+  <dgm:styleLbl name="asst0">
+    <dgm:scene3d>
+      <a:camera prst="orthographicFront"/>
+      <a:lightRig rig="threePt" dir="t"/>
+    </dgm:scene3d>
+    <dgm:sp3d/>
+    <dgm:txPr/>
+    <dgm:style>
+      <a:lnRef idx="2">
+        <a:scrgbClr r="0" g="0" b="0"/>
+      </a:lnRef>
+      <a:fillRef idx="1">
+        <a:scrgbClr r="0" g="0" b="0"/>
+      </a:fillRef>
+      <a:effectRef idx="0">
+        <a:scrgbClr r="0" g="0" b="0"/>
+      </a:effectRef>
+      <a:fontRef idx="minor">
+        <a:schemeClr val="lt1"/>
+      </a:fontRef>
+    </dgm:style>
+  </dgm:styleLbl>
+  <dgm:styleLbl name="asst1">
+    <dgm:scene3d>
+      <a:camera prst="orthographicFront"/>
+      <a:lightRig rig="threePt" dir="t"/>
+    </dgm:scene3d>
+    <dgm:sp3d/>
+    <dgm:txPr/>
+    <dgm:style>
+      <a:lnRef idx="2">
+        <a:scrgbClr r="0" g="0" b="0"/>
+      </a:lnRef>
+      <a:fillRef idx="1">
+        <a:scrgbClr r="0" g="0" b="0"/>
+      </a:fillRef>
+      <a:effectRef idx="0">
+        <a:scrgbClr r="0" g="0" b="0"/>
+      </a:effectRef>
+      <a:fontRef idx="minor">
+        <a:schemeClr val="lt1"/>
+      </a:fontRef>
+    </dgm:style>
+  </dgm:styleLbl>
+  <dgm:styleLbl name="asst2">
+    <dgm:scene3d>
+      <a:camera prst="orthographicFront"/>
+      <a:lightRig rig="threePt" dir="t"/>
+    </dgm:scene3d>
+    <dgm:sp3d/>
+    <dgm:txPr/>
+    <dgm:style>
+      <a:lnRef idx="2">
+        <a:scrgbClr r="0" g="0" b="0"/>
+      </a:lnRef>
+      <a:fillRef idx="1">
+        <a:scrgbClr r="0" g="0" b="0"/>
+      </a:fillRef>
+      <a:effectRef idx="0">
+        <a:scrgbClr r="0" g="0" b="0"/>
+      </a:effectRef>
+      <a:fontRef idx="minor">
+        <a:schemeClr val="lt1"/>
+      </a:fontRef>
+    </dgm:style>
+  </dgm:styleLbl>
+  <dgm:styleLbl name="asst3">
+    <dgm:scene3d>
+      <a:camera prst="orthographicFront"/>
+      <a:lightRig rig="threePt" dir="t"/>
+    </dgm:scene3d>
+    <dgm:sp3d/>
+    <dgm:txPr/>
+    <dgm:style>
+      <a:lnRef idx="2">
+        <a:scrgbClr r="0" g="0" b="0"/>
+      </a:lnRef>
+      <a:fillRef idx="1">
+        <a:scrgbClr r="0" g="0" b="0"/>
+      </a:fillRef>
+      <a:effectRef idx="0">
+        <a:scrgbClr r="0" g="0" b="0"/>
+      </a:effectRef>
+      <a:fontRef idx="minor">
+        <a:schemeClr val="lt1"/>
+      </a:fontRef>
+    </dgm:style>
+  </dgm:styleLbl>
+  <dgm:styleLbl name="asst4">
+    <dgm:scene3d>
+      <a:camera prst="orthographicFront"/>
+      <a:lightRig rig="threePt" dir="t"/>
+    </dgm:scene3d>
+    <dgm:sp3d/>
+    <dgm:txPr/>
+    <dgm:style>
+      <a:lnRef idx="2">
+        <a:scrgbClr r="0" g="0" b="0"/>
+      </a:lnRef>
+      <a:fillRef idx="1">
+        <a:scrgbClr r="0" g="0" b="0"/>
+      </a:fillRef>
+      <a:effectRef idx="0">
+        <a:scrgbClr r="0" g="0" b="0"/>
+      </a:effectRef>
+      <a:fontRef idx="minor">
+        <a:schemeClr val="lt1"/>
+      </a:fontRef>
+    </dgm:style>
+  </dgm:styleLbl>
+  <dgm:styleLbl name="parChTrans2D1">
+    <dgm:scene3d>
+      <a:camera prst="orthographicFront"/>
+      <a:lightRig rig="threePt" dir="t"/>
+    </dgm:scene3d>
+    <dgm:sp3d/>
+    <dgm:txPr/>
+    <dgm:style>
+      <a:lnRef idx="2">
+        <a:scrgbClr r="0" g="0" b="0"/>
+      </a:lnRef>
+      <a:fillRef idx="1">
+        <a:scrgbClr r="0" g="0" b="0"/>
+      </a:fillRef>
+      <a:effectRef idx="0">
+        <a:scrgbClr r="0" g="0" b="0"/>
+      </a:effectRef>
+      <a:fontRef idx="minor">
+        <a:schemeClr val="lt1"/>
+      </a:fontRef>
+    </dgm:style>
+  </dgm:styleLbl>
+  <dgm:styleLbl name="parChTrans2D2">
+    <dgm:scene3d>
+      <a:camera prst="orthographicFront"/>
+      <a:lightRig rig="threePt" dir="t"/>
+    </dgm:scene3d>
+    <dgm:sp3d/>
+    <dgm:txPr/>
+    <dgm:style>
+      <a:lnRef idx="2">
+        <a:scrgbClr r="0" g="0" b="0"/>
+      </a:lnRef>
+      <a:fillRef idx="1">
+        <a:scrgbClr r="0" g="0" b="0"/>
+      </a:fillRef>
+      <a:effectRef idx="0">
+        <a:scrgbClr r="0" g="0" b="0"/>
+      </a:effectRef>
+      <a:fontRef idx="minor">
+        <a:schemeClr val="lt1"/>
+      </a:fontRef>
+    </dgm:style>
+  </dgm:styleLbl>
+  <dgm:styleLbl name="parChTrans2D3">
+    <dgm:scene3d>
+      <a:camera prst="orthographicFront"/>
+      <a:lightRig rig="threePt" dir="t"/>
+    </dgm:scene3d>
+    <dgm:sp3d/>
+    <dgm:txPr/>
+    <dgm:style>
+      <a:lnRef idx="2">
+        <a:scrgbClr r="0" g="0" b="0"/>
+      </a:lnRef>
+      <a:fillRef idx="1">
+        <a:scrgbClr r="0" g="0" b="0"/>
+      </a:fillRef>
+      <a:effectRef idx="0">
+        <a:scrgbClr r="0" g="0" b="0"/>
+      </a:effectRef>
+      <a:fontRef idx="minor">
+        <a:schemeClr val="lt1"/>
+      </a:fontRef>
+    </dgm:style>
+  </dgm:styleLbl>
+  <dgm:styleLbl name="parChTrans2D4">
+    <dgm:scene3d>
+      <a:camera prst="orthographicFront"/>
+      <a:lightRig rig="threePt" dir="t"/>
+    </dgm:scene3d>
+    <dgm:sp3d/>
+    <dgm:txPr/>
+    <dgm:style>
+      <a:lnRef idx="2">
+        <a:scrgbClr r="0" g="0" b="0"/>
+      </a:lnRef>
+      <a:fillRef idx="1">
+        <a:scrgbClr r="0" g="0" b="0"/>
+      </a:fillRef>
+      <a:effectRef idx="0">
+        <a:scrgbClr r="0" g="0" b="0"/>
+      </a:effectRef>
+      <a:fontRef idx="minor">
+        <a:schemeClr val="lt1"/>
+      </a:fontRef>
+    </dgm:style>
+  </dgm:styleLbl>
+  <dgm:styleLbl name="parChTrans1D1">
+    <dgm:scene3d>
+      <a:camera prst="orthographicFront"/>
+      <a:lightRig rig="threePt" dir="t"/>
+    </dgm:scene3d>
+    <dgm:sp3d/>
+    <dgm:txPr/>
+    <dgm:style>
+      <a:lnRef idx="2">
+        <a:scrgbClr r="0" g="0" b="0"/>
+      </a:lnRef>
+      <a:fillRef idx="0">
+        <a:scrgbClr r="0" g="0" b="0"/>
+      </a:fillRef>
+      <a:effectRef idx="0">
+        <a:scrgbClr r="0" g="0" b="0"/>
+      </a:effectRef>
+      <a:fontRef idx="minor"/>
+    </dgm:style>
+  </dgm:styleLbl>
+  <dgm:styleLbl name="parChTrans1D2">
+    <dgm:scene3d>
+      <a:camera prst="orthographicFront"/>
+      <a:lightRig rig="threePt" dir="t"/>
+    </dgm:scene3d>
+    <dgm:sp3d/>
+    <dgm:txPr/>
+    <dgm:style>
+      <a:lnRef idx="2">
+        <a:scrgbClr r="0" g="0" b="0"/>
+      </a:lnRef>
+      <a:fillRef idx="0">
+        <a:scrgbClr r="0" g="0" b="0"/>
+      </a:fillRef>
+      <a:effectRef idx="0">
+        <a:scrgbClr r="0" g="0" b="0"/>
+      </a:effectRef>
+      <a:fontRef idx="minor"/>
+    </dgm:style>
+  </dgm:styleLbl>
+  <dgm:styleLbl name="parChTrans1D3">
+    <dgm:scene3d>
+      <a:camera prst="orthographicFront"/>
+      <a:lightRig rig="threePt" dir="t"/>
+    </dgm:scene3d>
+    <dgm:sp3d/>
+    <dgm:txPr/>
+    <dgm:style>
+      <a:lnRef idx="2">
+        <a:scrgbClr r="0" g="0" b="0"/>
+      </a:lnRef>
+      <a:fillRef idx="0">
+        <a:scrgbClr r="0" g="0" b="0"/>
+      </a:fillRef>
+      <a:effectRef idx="0">
+        <a:scrgbClr r="0" g="0" b="0"/>
+      </a:effectRef>
+      <a:fontRef idx="minor"/>
+    </dgm:style>
+  </dgm:styleLbl>
+  <dgm:styleLbl name="parChTrans1D4">
+    <dgm:scene3d>
+      <a:camera prst="orthographicFront"/>
+      <a:lightRig rig="threePt" dir="t"/>
+    </dgm:scene3d>
+    <dgm:sp3d/>
+    <dgm:txPr/>
+    <dgm:style>
+      <a:lnRef idx="2">
+        <a:scrgbClr r="0" g="0" b="0"/>
+      </a:lnRef>
+      <a:fillRef idx="0">
+        <a:scrgbClr r="0" g="0" b="0"/>
+      </a:fillRef>
+      <a:effectRef idx="0">
+        <a:scrgbClr r="0" g="0" b="0"/>
+      </a:effectRef>
+      <a:fontRef idx="minor"/>
+    </dgm:style>
+  </dgm:styleLbl>
+  <dgm:styleLbl name="fgAcc1">
+    <dgm:scene3d>
+      <a:camera prst="orthographicFront"/>
+      <a:lightRig rig="threePt" dir="t"/>
+    </dgm:scene3d>
+    <dgm:sp3d/>
+    <dgm:txPr/>
+    <dgm:style>
+      <a:lnRef idx="2">
+        <a:scrgbClr r="0" g="0" b="0"/>
+      </a:lnRef>
+      <a:fillRef idx="1">
+        <a:scrgbClr r="0" g="0" b="0"/>
+      </a:fillRef>
+      <a:effectRef idx="0">
+        <a:scrgbClr r="0" g="0" b="0"/>
+      </a:effectRef>
+      <a:fontRef idx="minor"/>
+    </dgm:style>
+  </dgm:styleLbl>
+  <dgm:styleLbl name="conFgAcc1">
+    <dgm:scene3d>
+      <a:camera prst="orthographicFront"/>
+      <a:lightRig rig="threePt" dir="t"/>
+    </dgm:scene3d>
+    <dgm:sp3d/>
+    <dgm:txPr/>
+    <dgm:style>
+      <a:lnRef idx="2">
+        <a:scrgbClr r="0" g="0" b="0"/>
+      </a:lnRef>
+      <a:fillRef idx="1">
+        <a:scrgbClr r="0" g="0" b="0"/>
+      </a:fillRef>
+      <a:effectRef idx="0">
+        <a:scrgbClr r="0" g="0" b="0"/>
+      </a:effectRef>
+      <a:fontRef idx="minor"/>
+    </dgm:style>
+  </dgm:styleLbl>
+  <dgm:styleLbl name="alignAcc1">
+    <dgm:scene3d>
+      <a:camera prst="orthographicFront"/>
+      <a:lightRig rig="threePt" dir="t"/>
+    </dgm:scene3d>
+    <dgm:sp3d/>
+    <dgm:txPr/>
+    <dgm:style>
+      <a:lnRef idx="2">
+        <a:scrgbClr r="0" g="0" b="0"/>
+      </a:lnRef>
+      <a:fillRef idx="1">
+        <a:scrgbClr r="0" g="0" b="0"/>
+      </a:fillRef>
+      <a:effectRef idx="0">
+        <a:scrgbClr r="0" g="0" b="0"/>
+      </a:effectRef>
+      <a:fontRef idx="minor"/>
+    </dgm:style>
+  </dgm:styleLbl>
+  <dgm:styleLbl name="trAlignAcc1">
+    <dgm:scene3d>
+      <a:camera prst="orthographicFront"/>
+      <a:lightRig rig="threePt" dir="t"/>
+    </dgm:scene3d>
+    <dgm:sp3d/>
+    <dgm:txPr/>
+    <dgm:style>
+      <a:lnRef idx="1">
+        <a:scrgbClr r="0" g="0" b="0"/>
+      </a:lnRef>
+      <a:fillRef idx="1">
+        <a:scrgbClr r="0" g="0" b="0"/>
+      </a:fillRef>
+      <a:effectRef idx="0">
+        <a:scrgbClr r="0" g="0" b="0"/>
+      </a:effectRef>
+      <a:fontRef idx="minor"/>
+    </dgm:style>
+  </dgm:styleLbl>
+  <dgm:styleLbl name="bgAcc1">
+    <dgm:scene3d>
+      <a:camera prst="orthographicFront"/>
+      <a:lightRig rig="threePt" dir="t"/>
+    </dgm:scene3d>
+    <dgm:sp3d/>
+    <dgm:txPr/>
+    <dgm:style>
+      <a:lnRef idx="2">
+        <a:scrgbClr r="0" g="0" b="0"/>
+      </a:lnRef>
+      <a:fillRef idx="1">
+        <a:scrgbClr r="0" g="0" b="0"/>
+      </a:fillRef>
+      <a:effectRef idx="0">
+        <a:scrgbClr r="0" g="0" b="0"/>
+      </a:effectRef>
+      <a:fontRef idx="minor"/>
+    </dgm:style>
+  </dgm:styleLbl>
+  <dgm:styleLbl name="solidFgAcc1">
+    <dgm:scene3d>
+      <a:camera prst="orthographicFront"/>
+      <a:lightRig rig="threePt" dir="t"/>
+    </dgm:scene3d>
+    <dgm:sp3d/>
+    <dgm:txPr/>
+    <dgm:style>
+      <a:lnRef idx="2">
+        <a:scrgbClr r="0" g="0" b="0"/>
+      </a:lnRef>
+      <a:fillRef idx="1">
+        <a:scrgbClr r="0" g="0" b="0"/>
+      </a:fillRef>
+      <a:effectRef idx="0">
+        <a:scrgbClr r="0" g="0" b="0"/>
+      </a:effectRef>
+      <a:fontRef idx="minor"/>
+    </dgm:style>
+  </dgm:styleLbl>
+  <dgm:styleLbl name="solidAlignAcc1">
+    <dgm:scene3d>
+      <a:camera prst="orthographicFront"/>
+      <a:lightRig rig="threePt" dir="t"/>
+    </dgm:scene3d>
+    <dgm:sp3d/>
+    <dgm:txPr/>
+    <dgm:style>
+      <a:lnRef idx="2">
+        <a:scrgbClr r="0" g="0" b="0"/>
+      </a:lnRef>
+      <a:fillRef idx="1">
+        <a:scrgbClr r="0" g="0" b="0"/>
+      </a:fillRef>
+      <a:effectRef idx="0">
+        <a:scrgbClr r="0" g="0" b="0"/>
+      </a:effectRef>
+      <a:fontRef idx="minor"/>
+    </dgm:style>
+  </dgm:styleLbl>
+  <dgm:styleLbl name="solidBgAcc1">
+    <dgm:scene3d>
+      <a:camera prst="orthographicFront"/>
+      <a:lightRig rig="threePt" dir="t"/>
+    </dgm:scene3d>
+    <dgm:sp3d/>
+    <dgm:txPr/>
+    <dgm:style>
+      <a:lnRef idx="2">
+        <a:scrgbClr r="0" g="0" b="0"/>
+      </a:lnRef>
+      <a:fillRef idx="1">
+        <a:scrgbClr r="0" g="0" b="0"/>
+      </a:fillRef>
+      <a:effectRef idx="0">
+        <a:scrgbClr r="0" g="0" b="0"/>
+      </a:effectRef>
+      <a:fontRef idx="minor"/>
+    </dgm:style>
+  </dgm:styleLbl>
+  <dgm:styleLbl name="fgAccFollowNode1">
+    <dgm:scene3d>
+      <a:camera prst="orthographicFront"/>
+      <a:lightRig rig="threePt" dir="t"/>
+    </dgm:scene3d>
+    <dgm:sp3d/>
+    <dgm:txPr/>
+    <dgm:style>
+      <a:lnRef idx="2">
+        <a:scrgbClr r="0" g="0" b="0"/>
+      </a:lnRef>
+      <a:fillRef idx="1">
+        <a:scrgbClr r="0" g="0" b="0"/>
+      </a:fillRef>
+      <a:effectRef idx="0">
+        <a:scrgbClr r="0" g="0" b="0"/>
+      </a:effectRef>
+      <a:fontRef idx="minor"/>
+    </dgm:style>
+  </dgm:styleLbl>
+  <dgm:styleLbl name="alignAccFollowNode1">
+    <dgm:scene3d>
+      <a:camera prst="orthographicFront"/>
+      <a:lightRig rig="threePt" dir="t"/>
+    </dgm:scene3d>
+    <dgm:sp3d/>
+    <dgm:txPr/>
+    <dgm:style>
+      <a:lnRef idx="2">
+        <a:scrgbClr r="0" g="0" b="0"/>
+      </a:lnRef>
+      <a:fillRef idx="1">
+        <a:scrgbClr r="0" g="0" b="0"/>
+      </a:fillRef>
+      <a:effectRef idx="0">
+        <a:scrgbClr r="0" g="0" b="0"/>
+      </a:effectRef>
+      <a:fontRef idx="minor"/>
+    </dgm:style>
+  </dgm:styleLbl>
+  <dgm:styleLbl name="bgAccFollowNode1">
+    <dgm:scene3d>
+      <a:camera prst="orthographicFront"/>
+      <a:lightRig rig="threePt" dir="t"/>
+    </dgm:scene3d>
+    <dgm:sp3d/>
+    <dgm:txPr/>
+    <dgm:style>
+      <a:lnRef idx="2">
+        <a:scrgbClr r="0" g="0" b="0"/>
+      </a:lnRef>
+      <a:fillRef idx="1">
+        <a:scrgbClr r="0" g="0" b="0"/>
+      </a:fillRef>
+      <a:effectRef idx="0">
+        <a:scrgbClr r="0" g="0" b="0"/>
+      </a:effectRef>
+      <a:fontRef idx="minor"/>
+    </dgm:style>
+  </dgm:styleLbl>
+  <dgm:styleLbl name="fgAcc0">
+    <dgm:scene3d>
+      <a:camera prst="orthographicFront"/>
+      <a:lightRig rig="threePt" dir="t"/>
+    </dgm:scene3d>
+    <dgm:sp3d/>
+    <dgm:txPr/>
+    <dgm:style>
+      <a:lnRef idx="2">
+        <a:scrgbClr r="0" g="0" b="0"/>
+      </a:lnRef>
+      <a:fillRef idx="1">
+        <a:scrgbClr r="0" g="0" b="0"/>
+      </a:fillRef>
+      <a:effectRef idx="0">
+        <a:scrgbClr r="0" g="0" b="0"/>
+      </a:effectRef>
+      <a:fontRef idx="minor"/>
+    </dgm:style>
+  </dgm:styleLbl>
+  <dgm:styleLbl name="fgAcc2">
+    <dgm:scene3d>
+      <a:camera prst="orthographicFront"/>
+      <a:lightRig rig="threePt" dir="t"/>
+    </dgm:scene3d>
+    <dgm:sp3d/>
+    <dgm:txPr/>
+    <dgm:style>
+      <a:lnRef idx="2">
+        <a:scrgbClr r="0" g="0" b="0"/>
+      </a:lnRef>
+      <a:fillRef idx="1">
+        <a:scrgbClr r="0" g="0" b="0"/>
+      </a:fillRef>
+      <a:effectRef idx="0">
+        <a:scrgbClr r="0" g="0" b="0"/>
+      </a:effectRef>
+      <a:fontRef idx="minor"/>
+    </dgm:style>
+  </dgm:styleLbl>
+  <dgm:styleLbl name="fgAcc3">
+    <dgm:scene3d>
+      <a:camera prst="orthographicFront"/>
+      <a:lightRig rig="threePt" dir="t"/>
+    </dgm:scene3d>
+    <dgm:sp3d/>
+    <dgm:txPr/>
+    <dgm:style>
+      <a:lnRef idx="2">
+        <a:scrgbClr r="0" g="0" b="0"/>
+      </a:lnRef>
+      <a:fillRef idx="1">
+        <a:scrgbClr r="0" g="0" b="0"/>
+      </a:fillRef>
+      <a:effectRef idx="0">
+        <a:scrgbClr r="0" g="0" b="0"/>
+      </a:effectRef>
+      <a:fontRef idx="minor"/>
+    </dgm:style>
+  </dgm:styleLbl>
+  <dgm:styleLbl name="fgAcc4">
+    <dgm:scene3d>
+      <a:camera prst="orthographicFront"/>
+      <a:lightRig rig="threePt" dir="t"/>
+    </dgm:scene3d>
+    <dgm:sp3d/>
+    <dgm:txPr/>
+    <dgm:style>
+      <a:lnRef idx="2">
+        <a:scrgbClr r="0" g="0" b="0"/>
+      </a:lnRef>
+      <a:fillRef idx="1">
+        <a:scrgbClr r="0" g="0" b="0"/>
+      </a:fillRef>
+      <a:effectRef idx="0">
+        <a:scrgbClr r="0" g="0" b="0"/>
+      </a:effectRef>
+      <a:fontRef idx="minor"/>
+    </dgm:style>
+  </dgm:styleLbl>
+  <dgm:styleLbl name="bgShp">
+    <dgm:scene3d>
+      <a:camera prst="orthographicFront"/>
+      <a:lightRig rig="threePt" dir="t"/>
+    </dgm:scene3d>
+    <dgm:sp3d/>
+    <dgm:txPr/>
+    <dgm:style>
+      <a:lnRef idx="0">
+        <a:scrgbClr r="0" g="0" b="0"/>
+      </a:lnRef>
+      <a:fillRef idx="1">
+        <a:scrgbClr r="0" g="0" b="0"/>
+      </a:fillRef>
+      <a:effectRef idx="0">
+        <a:scrgbClr r="0" g="0" b="0"/>
+      </a:effectRef>
+      <a:fontRef idx="minor"/>
+    </dgm:style>
+  </dgm:styleLbl>
+  <dgm:styleLbl name="dkBgShp">
+    <dgm:scene3d>
+      <a:camera prst="orthographicFront"/>
+      <a:lightRig rig="threePt" dir="t"/>
+    </dgm:scene3d>
+    <dgm:sp3d/>
+    <dgm:txPr/>
+    <dgm:style>
+      <a:lnRef idx="0">
+        <a:scrgbClr r="0" g="0" b="0"/>
+      </a:lnRef>
+      <a:fillRef idx="1">
+        <a:scrgbClr r="0" g="0" b="0"/>
+      </a:fillRef>
+      <a:effectRef idx="0">
+        <a:scrgbClr r="0" g="0" b="0"/>
+      </a:effectRef>
+      <a:fontRef idx="minor"/>
+    </dgm:style>
+  </dgm:styleLbl>
+  <dgm:styleLbl name="trBgShp">
+    <dgm:scene3d>
+      <a:camera prst="orthographicFront"/>
+      <a:lightRig rig="threePt" dir="t"/>
+    </dgm:scene3d>
+    <dgm:sp3d/>
+    <dgm:txPr/>
+    <dgm:style>
+      <a:lnRef idx="0">
+        <a:scrgbClr r="0" g="0" b="0"/>
+      </a:lnRef>
+      <a:fillRef idx="1">
+        <a:scrgbClr r="0" g="0" b="0"/>
+      </a:fillRef>
+      <a:effectRef idx="0">
+        <a:scrgbClr r="0" g="0" b="0"/>
+      </a:effectRef>
+      <a:fontRef idx="minor"/>
+    </dgm:style>
+  </dgm:styleLbl>
+  <dgm:styleLbl name="fgShp">
+    <dgm:scene3d>
+      <a:camera prst="orthographicFront"/>
+      <a:lightRig rig="threePt" dir="t"/>
+    </dgm:scene3d>
+    <dgm:sp3d/>
+    <dgm:txPr/>
+    <dgm:style>
+      <a:lnRef idx="2">
+        <a:scrgbClr r="0" g="0" b="0"/>
+      </a:lnRef>
+      <a:fillRef idx="1">
+        <a:scrgbClr r="0" g="0" b="0"/>
+      </a:fillRef>
+      <a:effectRef idx="0">
+        <a:scrgbClr r="0" g="0" b="0"/>
+      </a:effectRef>
+      <a:fontRef idx="minor"/>
+    </dgm:style>
+  </dgm:styleLbl>
+  <dgm:styleLbl name="revTx">
+    <dgm:scene3d>
+      <a:camera prst="orthographicFront"/>
+      <a:lightRig rig="threePt" dir="t"/>
+    </dgm:scene3d>
+    <dgm:sp3d/>
+    <dgm:txPr/>
+    <dgm:style>
+      <a:lnRef idx="0">
+        <a:scrgbClr r="0" g="0" b="0"/>
+      </a:lnRef>
+      <a:fillRef idx="0">
+        <a:scrgbClr r="0" g="0" b="0"/>
+      </a:fillRef>
+      <a:effectRef idx="0">
+        <a:scrgbClr r="0" g="0" b="0"/>
+      </a:effectRef>
+      <a:fontRef idx="minor"/>
+    </dgm:style>
+  </dgm:styleLbl>
+</dgm:styleDef>
 </file>
 
 <file path=ppt/slideLayouts/slideLayout1.xml><?xml version="1.0" encoding="utf-8"?>
@@ -261,7 +2692,7 @@
           <a:p>
             <a:fld id="{6A4922AC-46CB-49BF-90C3-10269EC4F5A8}" type="datetimeFigureOut">
               <a:rPr lang="fr-FR" smtClean="0"/>
-              <a:t>24/08/2022</a:t>
+              <a:t>31/08/2022</a:t>
             </a:fld>
             <a:endParaRPr lang="fr-FR"/>
           </a:p>
@@ -459,7 +2890,7 @@
           <a:p>
             <a:fld id="{6A4922AC-46CB-49BF-90C3-10269EC4F5A8}" type="datetimeFigureOut">
               <a:rPr lang="fr-FR" smtClean="0"/>
-              <a:t>24/08/2022</a:t>
+              <a:t>31/08/2022</a:t>
             </a:fld>
             <a:endParaRPr lang="fr-FR"/>
           </a:p>
@@ -667,7 +3098,7 @@
           <a:p>
             <a:fld id="{6A4922AC-46CB-49BF-90C3-10269EC4F5A8}" type="datetimeFigureOut">
               <a:rPr lang="fr-FR" smtClean="0"/>
-              <a:t>24/08/2022</a:t>
+              <a:t>31/08/2022</a:t>
             </a:fld>
             <a:endParaRPr lang="fr-FR"/>
           </a:p>
@@ -865,7 +3296,7 @@
           <a:p>
             <a:fld id="{6A4922AC-46CB-49BF-90C3-10269EC4F5A8}" type="datetimeFigureOut">
               <a:rPr lang="fr-FR" smtClean="0"/>
-              <a:t>24/08/2022</a:t>
+              <a:t>31/08/2022</a:t>
             </a:fld>
             <a:endParaRPr lang="fr-FR"/>
           </a:p>
@@ -1140,7 +3571,7 @@
           <a:p>
             <a:fld id="{6A4922AC-46CB-49BF-90C3-10269EC4F5A8}" type="datetimeFigureOut">
               <a:rPr lang="fr-FR" smtClean="0"/>
-              <a:t>24/08/2022</a:t>
+              <a:t>31/08/2022</a:t>
             </a:fld>
             <a:endParaRPr lang="fr-FR"/>
           </a:p>
@@ -1405,7 +3836,7 @@
           <a:p>
             <a:fld id="{6A4922AC-46CB-49BF-90C3-10269EC4F5A8}" type="datetimeFigureOut">
               <a:rPr lang="fr-FR" smtClean="0"/>
-              <a:t>24/08/2022</a:t>
+              <a:t>31/08/2022</a:t>
             </a:fld>
             <a:endParaRPr lang="fr-FR"/>
           </a:p>
@@ -1817,7 +4248,7 @@
           <a:p>
             <a:fld id="{6A4922AC-46CB-49BF-90C3-10269EC4F5A8}" type="datetimeFigureOut">
               <a:rPr lang="fr-FR" smtClean="0"/>
-              <a:t>24/08/2022</a:t>
+              <a:t>31/08/2022</a:t>
             </a:fld>
             <a:endParaRPr lang="fr-FR"/>
           </a:p>
@@ -1958,7 +4389,7 @@
           <a:p>
             <a:fld id="{6A4922AC-46CB-49BF-90C3-10269EC4F5A8}" type="datetimeFigureOut">
               <a:rPr lang="fr-FR" smtClean="0"/>
-              <a:t>24/08/2022</a:t>
+              <a:t>31/08/2022</a:t>
             </a:fld>
             <a:endParaRPr lang="fr-FR"/>
           </a:p>
@@ -2071,7 +4502,7 @@
           <a:p>
             <a:fld id="{6A4922AC-46CB-49BF-90C3-10269EC4F5A8}" type="datetimeFigureOut">
               <a:rPr lang="fr-FR" smtClean="0"/>
-              <a:t>24/08/2022</a:t>
+              <a:t>31/08/2022</a:t>
             </a:fld>
             <a:endParaRPr lang="fr-FR"/>
           </a:p>
@@ -2382,7 +4813,7 @@
           <a:p>
             <a:fld id="{6A4922AC-46CB-49BF-90C3-10269EC4F5A8}" type="datetimeFigureOut">
               <a:rPr lang="fr-FR" smtClean="0"/>
-              <a:t>24/08/2022</a:t>
+              <a:t>31/08/2022</a:t>
             </a:fld>
             <a:endParaRPr lang="fr-FR"/>
           </a:p>
@@ -2670,7 +5101,7 @@
           <a:p>
             <a:fld id="{6A4922AC-46CB-49BF-90C3-10269EC4F5A8}" type="datetimeFigureOut">
               <a:rPr lang="fr-FR" smtClean="0"/>
-              <a:t>24/08/2022</a:t>
+              <a:t>31/08/2022</a:t>
             </a:fld>
             <a:endParaRPr lang="fr-FR"/>
           </a:p>
@@ -2911,7 +5342,7 @@
           <a:p>
             <a:fld id="{6A4922AC-46CB-49BF-90C3-10269EC4F5A8}" type="datetimeFigureOut">
               <a:rPr lang="fr-FR" smtClean="0"/>
-              <a:t>24/08/2022</a:t>
+              <a:t>31/08/2022</a:t>
             </a:fld>
             <a:endParaRPr lang="fr-FR"/>
           </a:p>
@@ -4142,6 +6573,14 @@
 <file path=ppt/slides/slide3.xml><?xml version="1.0" encoding="utf-8"?>
 <p:sld xmlns:a="http://schemas.openxmlformats.org/drawingml/2006/main" xmlns:r="http://schemas.openxmlformats.org/officeDocument/2006/relationships" xmlns:p="http://schemas.openxmlformats.org/presentationml/2006/main">
   <p:cSld>
+    <p:bg>
+      <p:bgPr>
+        <a:solidFill>
+          <a:schemeClr val="bg1"/>
+        </a:solidFill>
+        <a:effectLst/>
+      </p:bgPr>
+    </p:bg>
     <p:spTree>
       <p:nvGrpSpPr>
         <p:cNvPr id="1" name=""/>
@@ -4158,6 +6597,69 @@
       </p:grpSpPr>
       <p:sp>
         <p:nvSpPr>
+          <p:cNvPr id="9" name="Rectangle 8">
+            <a:extLst>
+              <a:ext uri="{FF2B5EF4-FFF2-40B4-BE49-F238E27FC236}">
+                <a16:creationId xmlns:a16="http://schemas.microsoft.com/office/drawing/2014/main" id="{B819A166-7571-4003-A6B8-B62034C3ED30}"/>
+              </a:ext>
+              <a:ext uri="{C183D7F6-B498-43B3-948B-1728B52AA6E4}">
+                <adec:decorative xmlns:adec="http://schemas.microsoft.com/office/drawing/2017/decorative" val="1"/>
+              </a:ext>
+            </a:extLst>
+          </p:cNvPr>
+          <p:cNvSpPr>
+            <a:spLocks noGrp="1" noRot="1" noChangeAspect="1" noMove="1" noResize="1" noEditPoints="1" noAdjustHandles="1" noChangeArrowheads="1" noChangeShapeType="1" noTextEdit="1"/>
+          </p:cNvSpPr>
+          <p:nvPr>
+            <p:extLst>
+              <p:ext uri="{386F3935-93C4-4BCD-93E2-E3B085C9AB24}">
+                <p16:designElem xmlns:p16="http://schemas.microsoft.com/office/powerpoint/2015/main" val="1"/>
+              </p:ext>
+            </p:extLst>
+          </p:nvPr>
+        </p:nvSpPr>
+        <p:spPr>
+          <a:xfrm>
+            <a:off x="-1" y="0"/>
+            <a:ext cx="5093209" cy="6858000"/>
+          </a:xfrm>
+          <a:prstGeom prst="rect">
+            <a:avLst/>
+          </a:prstGeom>
+          <a:solidFill>
+            <a:schemeClr val="accent1"/>
+          </a:solidFill>
+          <a:ln>
+            <a:noFill/>
+          </a:ln>
+        </p:spPr>
+        <p:style>
+          <a:lnRef idx="2">
+            <a:schemeClr val="accent1">
+              <a:shade val="50000"/>
+            </a:schemeClr>
+          </a:lnRef>
+          <a:fillRef idx="1">
+            <a:schemeClr val="accent1"/>
+          </a:fillRef>
+          <a:effectRef idx="0">
+            <a:schemeClr val="accent1"/>
+          </a:effectRef>
+          <a:fontRef idx="minor">
+            <a:schemeClr val="lt1"/>
+          </a:fontRef>
+        </p:style>
+        <p:txBody>
+          <a:bodyPr rtlCol="0" anchor="ctr"/>
+          <a:lstStyle/>
+          <a:p>
+            <a:pPr algn="ctr"/>
+            <a:endParaRPr lang="en-US" dirty="0"/>
+          </a:p>
+        </p:txBody>
+      </p:sp>
+      <p:sp>
+        <p:nvSpPr>
           <p:cNvPr id="2" name="Titre 1">
             <a:extLst>
               <a:ext uri="{FF2B5EF4-FFF2-40B4-BE49-F238E27FC236}">
@@ -4172,44 +6674,60 @@
             <p:ph type="title"/>
           </p:nvPr>
         </p:nvSpPr>
-        <p:spPr/>
-        <p:txBody>
-          <a:bodyPr/>
+        <p:spPr>
+          <a:xfrm>
+            <a:off x="524741" y="620392"/>
+            <a:ext cx="3808268" cy="5504688"/>
+          </a:xfrm>
+        </p:spPr>
+        <p:txBody>
+          <a:bodyPr>
+            <a:normAutofit/>
+          </a:bodyPr>
           <a:lstStyle/>
           <a:p>
-            <a:pPr algn="ctr"/>
             <a:r>
-              <a:rPr lang="fr-FR" dirty="0"/>
+              <a:rPr lang="fr-FR" sz="6000">
+                <a:solidFill>
+                  <a:schemeClr val="bg1"/>
+                </a:solidFill>
+              </a:rPr>
               <a:t>1. Contexte du Projet</a:t>
             </a:r>
           </a:p>
         </p:txBody>
       </p:sp>
-      <p:sp>
-        <p:nvSpPr>
-          <p:cNvPr id="3" name="Espace réservé du contenu 2">
-            <a:extLst>
-              <a:ext uri="{FF2B5EF4-FFF2-40B4-BE49-F238E27FC236}">
-                <a16:creationId xmlns:a16="http://schemas.microsoft.com/office/drawing/2014/main" id="{D6C0A607-312C-6962-FD78-2C4D16EC7536}"/>
-              </a:ext>
-            </a:extLst>
-          </p:cNvPr>
-          <p:cNvSpPr>
-            <a:spLocks noGrp="1"/>
-          </p:cNvSpPr>
+      <p:graphicFrame>
+        <p:nvGraphicFramePr>
+          <p:cNvPr id="5" name="Espace réservé du contenu 2">
+            <a:extLst>
+              <a:ext uri="{FF2B5EF4-FFF2-40B4-BE49-F238E27FC236}">
+                <a16:creationId xmlns:a16="http://schemas.microsoft.com/office/drawing/2014/main" id="{4D0C1470-3342-5303-AA26-FC69942F8EDD}"/>
+              </a:ext>
+            </a:extLst>
+          </p:cNvPr>
+          <p:cNvGraphicFramePr>
+            <a:graphicFrameLocks noGrp="1"/>
+          </p:cNvGraphicFramePr>
           <p:nvPr>
             <p:ph idx="1"/>
-          </p:nvPr>
-        </p:nvSpPr>
-        <p:spPr/>
-        <p:txBody>
-          <a:bodyPr/>
-          <a:lstStyle/>
-          <a:p>
-            <a:endParaRPr lang="fr-FR" dirty="0"/>
-          </a:p>
-        </p:txBody>
-      </p:sp>
+            <p:extLst>
+              <p:ext uri="{D42A27DB-BD31-4B8C-83A1-F6EECF244321}">
+                <p14:modId xmlns:p14="http://schemas.microsoft.com/office/powerpoint/2010/main" val="1358305777"/>
+              </p:ext>
+            </p:extLst>
+          </p:nvPr>
+        </p:nvGraphicFramePr>
+        <p:xfrm>
+          <a:off x="5468389" y="620392"/>
+          <a:ext cx="6263640" cy="5504688"/>
+        </p:xfrm>
+        <a:graphic>
+          <a:graphicData uri="http://schemas.openxmlformats.org/drawingml/2006/diagram">
+            <dgm:relIds xmlns:dgm="http://schemas.openxmlformats.org/drawingml/2006/diagram" xmlns:r="http://schemas.openxmlformats.org/officeDocument/2006/relationships" r:dm="rId2" r:lo="rId3" r:qs="rId4" r:cs="rId5"/>
+          </a:graphicData>
+        </a:graphic>
+      </p:graphicFrame>
     </p:spTree>
     <p:extLst>
       <p:ext uri="{BB962C8B-B14F-4D97-AF65-F5344CB8AC3E}">
@@ -4226,6 +6744,14 @@
 <file path=ppt/slides/slide4.xml><?xml version="1.0" encoding="utf-8"?>
 <p:sld xmlns:a="http://schemas.openxmlformats.org/drawingml/2006/main" xmlns:r="http://schemas.openxmlformats.org/officeDocument/2006/relationships" xmlns:p="http://schemas.openxmlformats.org/presentationml/2006/main">
   <p:cSld>
+    <p:bg>
+      <p:bgPr>
+        <a:solidFill>
+          <a:schemeClr val="bg1"/>
+        </a:solidFill>
+        <a:effectLst/>
+      </p:bgPr>
+    </p:bg>
     <p:spTree>
       <p:nvGrpSpPr>
         <p:cNvPr id="1" name=""/>
@@ -4242,6 +6768,72 @@
       </p:grpSpPr>
       <p:sp>
         <p:nvSpPr>
+          <p:cNvPr id="10" name="Down Arrow 7">
+            <a:extLst>
+              <a:ext uri="{FF2B5EF4-FFF2-40B4-BE49-F238E27FC236}">
+                <a16:creationId xmlns:a16="http://schemas.microsoft.com/office/drawing/2014/main" id="{D4771268-CB57-404A-9271-370EB28F6090}"/>
+              </a:ext>
+              <a:ext uri="{C183D7F6-B498-43B3-948B-1728B52AA6E4}">
+                <adec:decorative xmlns:adec="http://schemas.microsoft.com/office/drawing/2017/decorative" val="1"/>
+              </a:ext>
+            </a:extLst>
+          </p:cNvPr>
+          <p:cNvSpPr>
+            <a:spLocks noGrp="1" noRot="1" noChangeAspect="1" noMove="1" noResize="1" noEditPoints="1" noAdjustHandles="1" noChangeArrowheads="1" noChangeShapeType="1" noTextEdit="1"/>
+          </p:cNvSpPr>
+          <p:nvPr>
+            <p:extLst>
+              <p:ext uri="{386F3935-93C4-4BCD-93E2-E3B085C9AB24}">
+                <p16:designElem xmlns:p16="http://schemas.microsoft.com/office/powerpoint/2015/main" val="1"/>
+              </p:ext>
+            </p:extLst>
+          </p:nvPr>
+        </p:nvSpPr>
+        <p:spPr>
+          <a:xfrm rot="16200000">
+            <a:off x="800100" y="1491343"/>
+            <a:ext cx="3333749" cy="3499103"/>
+          </a:xfrm>
+          <a:prstGeom prst="downArrow">
+            <a:avLst>
+              <a:gd name="adj1" fmla="val 100000"/>
+              <a:gd name="adj2" fmla="val 15788"/>
+            </a:avLst>
+          </a:prstGeom>
+          <a:solidFill>
+            <a:srgbClr val="404040"/>
+          </a:solidFill>
+          <a:ln w="53975">
+            <a:noFill/>
+          </a:ln>
+        </p:spPr>
+        <p:style>
+          <a:lnRef idx="2">
+            <a:schemeClr val="accent1">
+              <a:shade val="50000"/>
+            </a:schemeClr>
+          </a:lnRef>
+          <a:fillRef idx="1">
+            <a:schemeClr val="accent1"/>
+          </a:fillRef>
+          <a:effectRef idx="0">
+            <a:schemeClr val="accent1"/>
+          </a:effectRef>
+          <a:fontRef idx="minor">
+            <a:schemeClr val="lt1"/>
+          </a:fontRef>
+        </p:style>
+        <p:txBody>
+          <a:bodyPr rtlCol="0" anchor="ctr"/>
+          <a:lstStyle/>
+          <a:p>
+            <a:pPr algn="ctr"/>
+            <a:endParaRPr lang="en-US"/>
+          </a:p>
+        </p:txBody>
+      </p:sp>
+      <p:sp>
+        <p:nvSpPr>
           <p:cNvPr id="2" name="Titre 1">
             <a:extLst>
               <a:ext uri="{FF2B5EF4-FFF2-40B4-BE49-F238E27FC236}">
@@ -4256,44 +6848,64 @@
             <p:ph type="title"/>
           </p:nvPr>
         </p:nvSpPr>
-        <p:spPr/>
-        <p:txBody>
-          <a:bodyPr/>
+        <p:spPr>
+          <a:xfrm>
+            <a:off x="1028700" y="1967266"/>
+            <a:ext cx="2628900" cy="2547257"/>
+          </a:xfrm>
+          <a:noFill/>
+        </p:spPr>
+        <p:txBody>
+          <a:bodyPr vert="horz" lIns="91440" tIns="45720" rIns="91440" bIns="45720" rtlCol="0" anchor="ctr">
+            <a:normAutofit/>
+          </a:bodyPr>
           <a:lstStyle/>
           <a:p>
             <a:pPr algn="ctr"/>
             <a:r>
-              <a:rPr lang="fr-FR" dirty="0"/>
+              <a:rPr lang="en-US" sz="3600" kern="1200">
+                <a:solidFill>
+                  <a:srgbClr val="FFFFFF"/>
+                </a:solidFill>
+                <a:latin typeface="+mj-lt"/>
+                <a:ea typeface="+mj-ea"/>
+                <a:cs typeface="+mj-cs"/>
+              </a:rPr>
               <a:t>2. Rendu Visuel Desktop</a:t>
             </a:r>
           </a:p>
         </p:txBody>
       </p:sp>
-      <p:sp>
-        <p:nvSpPr>
-          <p:cNvPr id="3" name="Espace réservé du contenu 2">
-            <a:extLst>
-              <a:ext uri="{FF2B5EF4-FFF2-40B4-BE49-F238E27FC236}">
-                <a16:creationId xmlns:a16="http://schemas.microsoft.com/office/drawing/2014/main" id="{7F47A7F5-56DE-BD44-CADD-E908151F3ADA}"/>
-              </a:ext>
-            </a:extLst>
-          </p:cNvPr>
-          <p:cNvSpPr>
-            <a:spLocks noGrp="1"/>
-          </p:cNvSpPr>
-          <p:nvPr>
-            <p:ph idx="1"/>
-          </p:nvPr>
-        </p:nvSpPr>
-        <p:spPr/>
-        <p:txBody>
-          <a:bodyPr/>
-          <a:lstStyle/>
-          <a:p>
-            <a:endParaRPr lang="fr-FR"/>
-          </a:p>
-        </p:txBody>
-      </p:sp>
+      <p:pic>
+        <p:nvPicPr>
+          <p:cNvPr id="5" name="Image 4">
+            <a:extLst>
+              <a:ext uri="{FF2B5EF4-FFF2-40B4-BE49-F238E27FC236}">
+                <a16:creationId xmlns:a16="http://schemas.microsoft.com/office/drawing/2014/main" id="{4EC8DC09-D9D2-5067-9A0A-851248AFF40C}"/>
+              </a:ext>
+            </a:extLst>
+          </p:cNvPr>
+          <p:cNvPicPr>
+            <a:picLocks noChangeAspect="1"/>
+          </p:cNvPicPr>
+          <p:nvPr/>
+        </p:nvPicPr>
+        <p:blipFill>
+          <a:blip r:embed="rId2"/>
+          <a:stretch>
+            <a:fillRect/>
+          </a:stretch>
+        </p:blipFill>
+        <p:spPr>
+          <a:xfrm>
+            <a:off x="5759187" y="643466"/>
+            <a:ext cx="4816958" cy="5568739"/>
+          </a:xfrm>
+          <a:prstGeom prst="rect">
+            <a:avLst/>
+          </a:prstGeom>
+        </p:spPr>
+      </p:pic>
     </p:spTree>
     <p:extLst>
       <p:ext uri="{BB962C8B-B14F-4D97-AF65-F5344CB8AC3E}">
@@ -4353,31 +6965,6 @@
           </a:p>
         </p:txBody>
       </p:sp>
-      <p:sp>
-        <p:nvSpPr>
-          <p:cNvPr id="3" name="Espace réservé du contenu 2">
-            <a:extLst>
-              <a:ext uri="{FF2B5EF4-FFF2-40B4-BE49-F238E27FC236}">
-                <a16:creationId xmlns:a16="http://schemas.microsoft.com/office/drawing/2014/main" id="{847CF89E-0C46-3960-05E9-E581CECC24B0}"/>
-              </a:ext>
-            </a:extLst>
-          </p:cNvPr>
-          <p:cNvSpPr>
-            <a:spLocks noGrp="1"/>
-          </p:cNvSpPr>
-          <p:nvPr>
-            <p:ph idx="1"/>
-          </p:nvPr>
-        </p:nvSpPr>
-        <p:spPr/>
-        <p:txBody>
-          <a:bodyPr/>
-          <a:lstStyle/>
-          <a:p>
-            <a:endParaRPr lang="fr-FR"/>
-          </a:p>
-        </p:txBody>
-      </p:sp>
     </p:spTree>
     <p:extLst>
       <p:ext uri="{BB962C8B-B14F-4D97-AF65-F5344CB8AC3E}">
@@ -4458,7 +7045,7 @@
           <a:bodyPr/>
           <a:lstStyle/>
           <a:p>
-            <a:endParaRPr lang="fr-FR"/>
+            <a:endParaRPr lang="fr-FR" dirty="0"/>
           </a:p>
         </p:txBody>
       </p:sp>

--- a/P2.pptx
+++ b/P2.pptx
@@ -12,7 +12,8 @@
     <p:sldId id="260" r:id="rId6"/>
     <p:sldId id="261" r:id="rId7"/>
     <p:sldId id="262" r:id="rId8"/>
-    <p:sldId id="263" r:id="rId9"/>
+    <p:sldId id="264" r:id="rId9"/>
+    <p:sldId id="263" r:id="rId10"/>
   </p:sldIdLst>
   <p:sldSz cx="12192000" cy="6858000"/>
   <p:notesSz cx="6858000" cy="9144000"/>
@@ -6501,7 +6502,7 @@
               <a:buAutoNum type="arabicPeriod"/>
             </a:pPr>
             <a:r>
-              <a:rPr lang="fr-FR" sz="2400"/>
+              <a:rPr lang="fr-FR" sz="2400" dirty="0"/>
               <a:t>Contexte du Projet</a:t>
             </a:r>
           </a:p>
@@ -6511,7 +6512,7 @@
               <a:buAutoNum type="arabicPeriod"/>
             </a:pPr>
             <a:r>
-              <a:rPr lang="fr-FR" sz="2400"/>
+              <a:rPr lang="fr-FR" sz="2400" dirty="0"/>
               <a:t>Rendu Visuel Desktop</a:t>
             </a:r>
           </a:p>
@@ -6521,7 +6522,7 @@
               <a:buAutoNum type="arabicPeriod"/>
             </a:pPr>
             <a:r>
-              <a:rPr lang="fr-FR" sz="2400"/>
+              <a:rPr lang="fr-FR" sz="2400" dirty="0"/>
               <a:t>Rendu Visuel Tablette</a:t>
             </a:r>
           </a:p>
@@ -6531,7 +6532,7 @@
               <a:buAutoNum type="arabicPeriod"/>
             </a:pPr>
             <a:r>
-              <a:rPr lang="fr-FR" sz="2400"/>
+              <a:rPr lang="fr-FR" sz="2400" dirty="0"/>
               <a:t>Rendu Visuel Mobile</a:t>
             </a:r>
           </a:p>
@@ -6541,7 +6542,7 @@
               <a:buAutoNum type="arabicPeriod"/>
             </a:pPr>
             <a:r>
-              <a:rPr lang="fr-FR" sz="2400"/>
+              <a:rPr lang="fr-FR" sz="2400" dirty="0"/>
               <a:t>Code du projet</a:t>
             </a:r>
           </a:p>
@@ -6551,7 +6552,17 @@
               <a:buAutoNum type="arabicPeriod"/>
             </a:pPr>
             <a:r>
-              <a:rPr lang="fr-FR" sz="2400"/>
+              <a:rPr lang="fr-FR" sz="2400" dirty="0"/>
+              <a:t>Vérification W3 HTML / CSS</a:t>
+            </a:r>
+          </a:p>
+          <a:p>
+            <a:pPr marL="514350" indent="-514350">
+              <a:buFont typeface="+mj-lt"/>
+              <a:buAutoNum type="arabicPeriod"/>
+            </a:pPr>
+            <a:r>
+              <a:rPr lang="fr-FR" sz="2400" dirty="0"/>
               <a:t>Bilan</a:t>
             </a:r>
           </a:p>
@@ -6922,6 +6933,331 @@
 <file path=ppt/slides/slide5.xml><?xml version="1.0" encoding="utf-8"?>
 <p:sld xmlns:a="http://schemas.openxmlformats.org/drawingml/2006/main" xmlns:r="http://schemas.openxmlformats.org/officeDocument/2006/relationships" xmlns:p="http://schemas.openxmlformats.org/presentationml/2006/main">
   <p:cSld>
+    <p:bg>
+      <p:bgPr>
+        <a:solidFill>
+          <a:schemeClr val="bg1">
+            <a:tint val="95000"/>
+            <a:satMod val="170000"/>
+          </a:schemeClr>
+        </a:solidFill>
+        <a:effectLst/>
+      </p:bgPr>
+    </p:bg>
+    <p:spTree>
+      <p:nvGrpSpPr>
+        <p:cNvPr id="1" name=""/>
+        <p:cNvGrpSpPr/>
+        <p:nvPr/>
+      </p:nvGrpSpPr>
+      <p:grpSpPr>
+        <a:xfrm>
+          <a:off x="0" y="0"/>
+          <a:ext cx="0" cy="0"/>
+          <a:chOff x="0" y="0"/>
+          <a:chExt cx="0" cy="0"/>
+        </a:xfrm>
+      </p:grpSpPr>
+      <p:sp useBgFill="1">
+        <p:nvSpPr>
+          <p:cNvPr id="9" name="Rectangle 8">
+            <a:extLst>
+              <a:ext uri="{FF2B5EF4-FFF2-40B4-BE49-F238E27FC236}">
+                <a16:creationId xmlns:a16="http://schemas.microsoft.com/office/drawing/2014/main" id="{8537B233-9CDD-4A90-AABB-A8963DEE4FBC}"/>
+              </a:ext>
+              <a:ext uri="{C183D7F6-B498-43B3-948B-1728B52AA6E4}">
+                <adec:decorative xmlns:adec="http://schemas.microsoft.com/office/drawing/2017/decorative" val="1"/>
+              </a:ext>
+            </a:extLst>
+          </p:cNvPr>
+          <p:cNvSpPr>
+            <a:spLocks noGrp="1" noRot="1" noChangeAspect="1" noMove="1" noResize="1" noEditPoints="1" noAdjustHandles="1" noChangeArrowheads="1" noChangeShapeType="1" noTextEdit="1"/>
+          </p:cNvSpPr>
+          <p:nvPr>
+            <p:extLst>
+              <p:ext uri="{386F3935-93C4-4BCD-93E2-E3B085C9AB24}">
+                <p16:designElem xmlns:p16="http://schemas.microsoft.com/office/powerpoint/2015/main" val="1"/>
+              </p:ext>
+            </p:extLst>
+          </p:nvPr>
+        </p:nvSpPr>
+        <p:spPr>
+          <a:xfrm>
+            <a:off x="0" y="1"/>
+            <a:ext cx="12192000" cy="6858000"/>
+          </a:xfrm>
+          <a:prstGeom prst="rect">
+            <a:avLst/>
+          </a:prstGeom>
+          <a:ln>
+            <a:noFill/>
+          </a:ln>
+        </p:spPr>
+        <p:style>
+          <a:lnRef idx="2">
+            <a:schemeClr val="accent1">
+              <a:shade val="50000"/>
+            </a:schemeClr>
+          </a:lnRef>
+          <a:fillRef idx="1">
+            <a:schemeClr val="accent1"/>
+          </a:fillRef>
+          <a:effectRef idx="0">
+            <a:schemeClr val="accent1"/>
+          </a:effectRef>
+          <a:fontRef idx="minor">
+            <a:schemeClr val="lt1"/>
+          </a:fontRef>
+        </p:style>
+        <p:txBody>
+          <a:bodyPr rtlCol="0" anchor="ctr"/>
+          <a:lstStyle/>
+          <a:p>
+            <a:pPr marL="0" marR="0" lvl="0" indent="0" algn="ctr" defTabSz="914400" rtl="0" eaLnBrk="1" fontAlgn="auto" latinLnBrk="0" hangingPunct="1">
+              <a:lnSpc>
+                <a:spcPct val="100000"/>
+              </a:lnSpc>
+              <a:spcBef>
+                <a:spcPts val="0"/>
+              </a:spcBef>
+              <a:spcAft>
+                <a:spcPts val="0"/>
+              </a:spcAft>
+              <a:buClrTx/>
+              <a:buSzTx/>
+              <a:buFontTx/>
+              <a:buNone/>
+              <a:tabLst/>
+              <a:defRPr/>
+            </a:pPr>
+            <a:endParaRPr kumimoji="0" lang="en-US" sz="1800" b="0" i="0" u="none" strike="noStrike" kern="1200" cap="none" spc="0" normalizeH="0" baseline="0" noProof="0">
+              <a:ln>
+                <a:noFill/>
+              </a:ln>
+              <a:solidFill>
+                <a:prstClr val="white"/>
+              </a:solidFill>
+              <a:effectLst/>
+              <a:uLnTx/>
+              <a:uFillTx/>
+              <a:latin typeface="Tw Cen MT" panose="020B0602020104020603"/>
+              <a:ea typeface="+mn-ea"/>
+              <a:cs typeface="+mn-cs"/>
+            </a:endParaRPr>
+          </a:p>
+        </p:txBody>
+      </p:sp>
+      <p:sp>
+        <p:nvSpPr>
+          <p:cNvPr id="2" name="Titre 1">
+            <a:extLst>
+              <a:ext uri="{FF2B5EF4-FFF2-40B4-BE49-F238E27FC236}">
+                <a16:creationId xmlns:a16="http://schemas.microsoft.com/office/drawing/2014/main" id="{6D3CF20D-1F62-981C-18CF-871354947664}"/>
+              </a:ext>
+            </a:extLst>
+          </p:cNvPr>
+          <p:cNvSpPr>
+            <a:spLocks noGrp="1"/>
+          </p:cNvSpPr>
+          <p:nvPr>
+            <p:ph type="title"/>
+          </p:nvPr>
+        </p:nvSpPr>
+        <p:spPr>
+          <a:xfrm>
+            <a:off x="6751180" y="895369"/>
+            <a:ext cx="4724530" cy="2975876"/>
+          </a:xfrm>
+        </p:spPr>
+        <p:txBody>
+          <a:bodyPr vert="horz" lIns="91440" tIns="45720" rIns="91440" bIns="45720" rtlCol="0" anchor="b">
+            <a:normAutofit/>
+          </a:bodyPr>
+          <a:lstStyle/>
+          <a:p>
+            <a:r>
+              <a:rPr lang="en-US" sz="6000" kern="1200" dirty="0">
+                <a:solidFill>
+                  <a:schemeClr val="tx1"/>
+                </a:solidFill>
+                <a:latin typeface="+mj-lt"/>
+                <a:ea typeface="+mj-ea"/>
+                <a:cs typeface="+mj-cs"/>
+              </a:rPr>
+              <a:t>3. </a:t>
+            </a:r>
+            <a:r>
+              <a:rPr lang="en-US" sz="6000" kern="1200" dirty="0" err="1">
+                <a:solidFill>
+                  <a:schemeClr val="tx1"/>
+                </a:solidFill>
+                <a:latin typeface="+mj-lt"/>
+                <a:ea typeface="+mj-ea"/>
+                <a:cs typeface="+mj-cs"/>
+              </a:rPr>
+              <a:t>Rendu</a:t>
+            </a:r>
+            <a:r>
+              <a:rPr lang="en-US" sz="6000" kern="1200" dirty="0">
+                <a:solidFill>
+                  <a:schemeClr val="tx1"/>
+                </a:solidFill>
+                <a:latin typeface="+mj-lt"/>
+                <a:ea typeface="+mj-ea"/>
+                <a:cs typeface="+mj-cs"/>
+              </a:rPr>
+              <a:t> </a:t>
+            </a:r>
+            <a:r>
+              <a:rPr lang="en-US" sz="6000" kern="1200" dirty="0" err="1">
+                <a:solidFill>
+                  <a:schemeClr val="tx1"/>
+                </a:solidFill>
+                <a:latin typeface="+mj-lt"/>
+                <a:ea typeface="+mj-ea"/>
+                <a:cs typeface="+mj-cs"/>
+              </a:rPr>
+              <a:t>Visuel</a:t>
+            </a:r>
+            <a:r>
+              <a:rPr lang="en-US" sz="6000" kern="1200" dirty="0">
+                <a:solidFill>
+                  <a:schemeClr val="tx1"/>
+                </a:solidFill>
+                <a:latin typeface="+mj-lt"/>
+                <a:ea typeface="+mj-ea"/>
+                <a:cs typeface="+mj-cs"/>
+              </a:rPr>
+              <a:t> </a:t>
+            </a:r>
+            <a:r>
+              <a:rPr lang="en-US" sz="6000" kern="1200" dirty="0" err="1">
+                <a:solidFill>
+                  <a:schemeClr val="tx1"/>
+                </a:solidFill>
+                <a:latin typeface="+mj-lt"/>
+                <a:ea typeface="+mj-ea"/>
+                <a:cs typeface="+mj-cs"/>
+              </a:rPr>
+              <a:t>Tablette</a:t>
+            </a:r>
+            <a:endParaRPr lang="en-US" sz="6000" kern="1200" dirty="0">
+              <a:solidFill>
+                <a:schemeClr val="tx1"/>
+              </a:solidFill>
+              <a:latin typeface="+mj-lt"/>
+              <a:ea typeface="+mj-ea"/>
+              <a:cs typeface="+mj-cs"/>
+            </a:endParaRPr>
+          </a:p>
+        </p:txBody>
+      </p:sp>
+      <p:pic>
+        <p:nvPicPr>
+          <p:cNvPr id="4" name="Image 3">
+            <a:extLst>
+              <a:ext uri="{FF2B5EF4-FFF2-40B4-BE49-F238E27FC236}">
+                <a16:creationId xmlns:a16="http://schemas.microsoft.com/office/drawing/2014/main" id="{8A88CFB0-F9FD-0331-2A97-8802149A295F}"/>
+              </a:ext>
+            </a:extLst>
+          </p:cNvPr>
+          <p:cNvPicPr>
+            <a:picLocks noChangeAspect="1"/>
+          </p:cNvPicPr>
+          <p:nvPr/>
+        </p:nvPicPr>
+        <p:blipFill>
+          <a:blip r:embed="rId2"/>
+          <a:stretch>
+            <a:fillRect/>
+          </a:stretch>
+        </p:blipFill>
+        <p:spPr>
+          <a:xfrm>
+            <a:off x="1022739" y="566916"/>
+            <a:ext cx="4464851" cy="5724168"/>
+          </a:xfrm>
+          <a:prstGeom prst="rect">
+            <a:avLst/>
+          </a:prstGeom>
+        </p:spPr>
+      </p:pic>
+      <p:cxnSp>
+        <p:nvCxnSpPr>
+          <p:cNvPr id="11" name="Straight Connector 10">
+            <a:extLst>
+              <a:ext uri="{FF2B5EF4-FFF2-40B4-BE49-F238E27FC236}">
+                <a16:creationId xmlns:a16="http://schemas.microsoft.com/office/drawing/2014/main" id="{040575EE-C594-4566-BC00-663004E52AB5}"/>
+              </a:ext>
+              <a:ext uri="{C183D7F6-B498-43B3-948B-1728B52AA6E4}">
+                <adec:decorative xmlns:adec="http://schemas.microsoft.com/office/drawing/2017/decorative" val="1"/>
+              </a:ext>
+            </a:extLst>
+          </p:cNvPr>
+          <p:cNvCxnSpPr>
+            <a:cxnSpLocks noGrp="1" noRot="1" noChangeAspect="1" noMove="1" noResize="1" noEditPoints="1" noAdjustHandles="1" noChangeArrowheads="1" noChangeShapeType="1"/>
+          </p:cNvCxnSpPr>
+          <p:nvPr>
+            <p:extLst>
+              <p:ext uri="{386F3935-93C4-4BCD-93E2-E3B085C9AB24}">
+                <p16:designElem xmlns:p16="http://schemas.microsoft.com/office/powerpoint/2015/main" val="1"/>
+              </p:ext>
+            </p:extLst>
+          </p:nvPr>
+        </p:nvCxnSpPr>
+        <p:spPr>
+          <a:xfrm>
+            <a:off x="6215641" y="1417320"/>
+            <a:ext cx="0" cy="4023360"/>
+          </a:xfrm>
+          <a:prstGeom prst="line">
+            <a:avLst/>
+          </a:prstGeom>
+          <a:ln w="15875">
+            <a:solidFill>
+              <a:schemeClr val="tx1"/>
+            </a:solidFill>
+          </a:ln>
+        </p:spPr>
+        <p:style>
+          <a:lnRef idx="1">
+            <a:schemeClr val="accent1"/>
+          </a:lnRef>
+          <a:fillRef idx="0">
+            <a:schemeClr val="accent1"/>
+          </a:fillRef>
+          <a:effectRef idx="0">
+            <a:schemeClr val="accent1"/>
+          </a:effectRef>
+          <a:fontRef idx="minor">
+            <a:schemeClr val="tx1"/>
+          </a:fontRef>
+        </p:style>
+      </p:cxnSp>
+    </p:spTree>
+    <p:extLst>
+      <p:ext uri="{BB962C8B-B14F-4D97-AF65-F5344CB8AC3E}">
+        <p14:creationId xmlns:p14="http://schemas.microsoft.com/office/powerpoint/2010/main" val="1144923443"/>
+      </p:ext>
+    </p:extLst>
+  </p:cSld>
+  <p:clrMapOvr>
+    <a:overrideClrMapping bg1="dk1" tx1="lt1" bg2="dk2" tx2="lt2" accent1="accent1" accent2="accent2" accent3="accent3" accent4="accent4" accent5="accent5" accent6="accent6" hlink="hlink" folHlink="folHlink"/>
+  </p:clrMapOvr>
+</p:sld>
+</file>
+
+<file path=ppt/slides/slide6.xml><?xml version="1.0" encoding="utf-8"?>
+<p:sld xmlns:a="http://schemas.openxmlformats.org/drawingml/2006/main" xmlns:r="http://schemas.openxmlformats.org/officeDocument/2006/relationships" xmlns:p="http://schemas.openxmlformats.org/presentationml/2006/main">
+  <p:cSld>
+    <p:bg>
+      <p:bgPr>
+        <a:solidFill>
+          <a:schemeClr val="bg1"/>
+        </a:solidFill>
+        <a:effectLst/>
+      </p:bgPr>
+    </p:bg>
     <p:spTree>
       <p:nvGrpSpPr>
         <p:cNvPr id="1" name=""/>
@@ -6938,10 +7274,75 @@
       </p:grpSpPr>
       <p:sp>
         <p:nvSpPr>
+          <p:cNvPr id="12" name="Rectangle 9">
+            <a:extLst>
+              <a:ext uri="{FF2B5EF4-FFF2-40B4-BE49-F238E27FC236}">
+                <a16:creationId xmlns:a16="http://schemas.microsoft.com/office/drawing/2014/main" id="{1707FC24-6981-43D9-B525-C7832BA22463}"/>
+              </a:ext>
+              <a:ext uri="{C183D7F6-B498-43B3-948B-1728B52AA6E4}">
+                <adec:decorative xmlns:adec="http://schemas.microsoft.com/office/drawing/2017/decorative" val="1"/>
+              </a:ext>
+            </a:extLst>
+          </p:cNvPr>
+          <p:cNvSpPr>
+            <a:spLocks noGrp="1" noRot="1" noChangeAspect="1" noMove="1" noResize="1" noEditPoints="1" noAdjustHandles="1" noChangeArrowheads="1" noChangeShapeType="1" noTextEdit="1"/>
+          </p:cNvSpPr>
+          <p:nvPr>
+            <p:extLst>
+              <p:ext uri="{386F3935-93C4-4BCD-93E2-E3B085C9AB24}">
+                <p16:designElem xmlns:p16="http://schemas.microsoft.com/office/powerpoint/2015/main" val="1"/>
+              </p:ext>
+            </p:extLst>
+          </p:nvPr>
+        </p:nvSpPr>
+        <p:spPr bwMode="ltGray">
+          <a:xfrm>
+            <a:off x="336884" y="311449"/>
+            <a:ext cx="4332307" cy="6179552"/>
+          </a:xfrm>
+          <a:prstGeom prst="rect">
+            <a:avLst/>
+          </a:prstGeom>
+          <a:solidFill>
+            <a:srgbClr val="404040"/>
+          </a:solidFill>
+          <a:ln w="127000" cap="sq" cmpd="thinThick">
+            <a:solidFill>
+              <a:srgbClr val="404040"/>
+            </a:solidFill>
+          </a:ln>
+        </p:spPr>
+        <p:style>
+          <a:lnRef idx="2">
+            <a:schemeClr val="accent1">
+              <a:shade val="50000"/>
+            </a:schemeClr>
+          </a:lnRef>
+          <a:fillRef idx="1">
+            <a:schemeClr val="accent1"/>
+          </a:fillRef>
+          <a:effectRef idx="0">
+            <a:schemeClr val="accent1"/>
+          </a:effectRef>
+          <a:fontRef idx="minor">
+            <a:schemeClr val="lt1"/>
+          </a:fontRef>
+        </p:style>
+        <p:txBody>
+          <a:bodyPr rtlCol="0" anchor="ctr"/>
+          <a:lstStyle/>
+          <a:p>
+            <a:pPr algn="ctr"/>
+            <a:endParaRPr lang="en-US"/>
+          </a:p>
+        </p:txBody>
+      </p:sp>
+      <p:sp>
+        <p:nvSpPr>
           <p:cNvPr id="2" name="Titre 1">
             <a:extLst>
               <a:ext uri="{FF2B5EF4-FFF2-40B4-BE49-F238E27FC236}">
-                <a16:creationId xmlns:a16="http://schemas.microsoft.com/office/drawing/2014/main" id="{6D3CF20D-1F62-981C-18CF-871354947664}"/>
+                <a16:creationId xmlns:a16="http://schemas.microsoft.com/office/drawing/2014/main" id="{253718F9-6EA2-CCBC-F928-5EC9F26C76B0}"/>
               </a:ext>
             </a:extLst>
           </p:cNvPr>
@@ -6952,23 +7353,67 @@
             <p:ph type="title"/>
           </p:nvPr>
         </p:nvSpPr>
-        <p:spPr/>
+        <p:spPr>
+          <a:xfrm>
+            <a:off x="742950" y="742951"/>
+            <a:ext cx="3476625" cy="4962524"/>
+          </a:xfrm>
+        </p:spPr>
         <p:txBody>
-          <a:bodyPr/>
+          <a:bodyPr vert="horz" lIns="91440" tIns="45720" rIns="91440" bIns="45720" rtlCol="0" anchor="ctr">
+            <a:normAutofit/>
+          </a:bodyPr>
           <a:lstStyle/>
           <a:p>
             <a:pPr algn="ctr"/>
             <a:r>
-              <a:rPr lang="fr-FR" dirty="0"/>
-              <a:t>3. Rendu Visuel Tablette</a:t>
+              <a:rPr lang="en-US" sz="4800" kern="1200">
+                <a:solidFill>
+                  <a:srgbClr val="FFFFFF"/>
+                </a:solidFill>
+                <a:latin typeface="+mj-lt"/>
+                <a:ea typeface="+mj-ea"/>
+                <a:cs typeface="+mj-cs"/>
+              </a:rPr>
+              <a:t>4. Rendu Visuel Mobile</a:t>
             </a:r>
           </a:p>
         </p:txBody>
       </p:sp>
+      <p:pic>
+        <p:nvPicPr>
+          <p:cNvPr id="5" name="Image 4">
+            <a:extLst>
+              <a:ext uri="{FF2B5EF4-FFF2-40B4-BE49-F238E27FC236}">
+                <a16:creationId xmlns:a16="http://schemas.microsoft.com/office/drawing/2014/main" id="{9414B64C-FEBC-8D20-ED50-1D12CCB7048D}"/>
+              </a:ext>
+            </a:extLst>
+          </p:cNvPr>
+          <p:cNvPicPr>
+            <a:picLocks noChangeAspect="1"/>
+          </p:cNvPicPr>
+          <p:nvPr/>
+        </p:nvPicPr>
+        <p:blipFill>
+          <a:blip r:embed="rId2"/>
+          <a:stretch>
+            <a:fillRect/>
+          </a:stretch>
+        </p:blipFill>
+        <p:spPr>
+          <a:xfrm>
+            <a:off x="6783972" y="492573"/>
+            <a:ext cx="3293245" cy="5880796"/>
+          </a:xfrm>
+          <a:prstGeom prst="rect">
+            <a:avLst/>
+          </a:prstGeom>
+        </p:spPr>
+      </p:pic>
     </p:spTree>
     <p:extLst>
       <p:ext uri="{BB962C8B-B14F-4D97-AF65-F5344CB8AC3E}">
-        <p14:creationId xmlns:p14="http://schemas.microsoft.com/office/powerpoint/2010/main" val="1144923443"/>
+        <p14:creationId xmlns:p14="http://schemas.microsoft.com/office/powerpoint/2010/main" val="1308882210"/>
       </p:ext>
     </p:extLst>
   </p:cSld>
@@ -6978,9 +7423,421 @@
 </p:sld>
 </file>
 
-<file path=ppt/slides/slide6.xml><?xml version="1.0" encoding="utf-8"?>
+<file path=ppt/slides/slide7.xml><?xml version="1.0" encoding="utf-8"?>
 <p:sld xmlns:a="http://schemas.openxmlformats.org/drawingml/2006/main" xmlns:r="http://schemas.openxmlformats.org/officeDocument/2006/relationships" xmlns:p="http://schemas.openxmlformats.org/presentationml/2006/main">
   <p:cSld>
+    <p:bg>
+      <p:bgPr>
+        <a:solidFill>
+          <a:schemeClr val="bg1"/>
+        </a:solidFill>
+        <a:effectLst/>
+      </p:bgPr>
+    </p:bg>
+    <p:spTree>
+      <p:nvGrpSpPr>
+        <p:cNvPr id="1" name=""/>
+        <p:cNvGrpSpPr/>
+        <p:nvPr/>
+      </p:nvGrpSpPr>
+      <p:grpSpPr>
+        <a:xfrm>
+          <a:off x="0" y="0"/>
+          <a:ext cx="0" cy="0"/>
+          <a:chOff x="0" y="0"/>
+          <a:chExt cx="0" cy="0"/>
+        </a:xfrm>
+      </p:grpSpPr>
+      <p:sp useBgFill="1">
+        <p:nvSpPr>
+          <p:cNvPr id="9" name="Rectangle 8">
+            <a:extLst>
+              <a:ext uri="{FF2B5EF4-FFF2-40B4-BE49-F238E27FC236}">
+                <a16:creationId xmlns:a16="http://schemas.microsoft.com/office/drawing/2014/main" id="{0671A8AE-40A1-4631-A6B8-581AFF065482}"/>
+              </a:ext>
+              <a:ext uri="{C183D7F6-B498-43B3-948B-1728B52AA6E4}">
+                <adec:decorative xmlns:adec="http://schemas.microsoft.com/office/drawing/2017/decorative" val="1"/>
+              </a:ext>
+            </a:extLst>
+          </p:cNvPr>
+          <p:cNvSpPr>
+            <a:spLocks noGrp="1" noRot="1" noChangeAspect="1" noMove="1" noResize="1" noEditPoints="1" noAdjustHandles="1" noChangeArrowheads="1" noChangeShapeType="1" noTextEdit="1"/>
+          </p:cNvSpPr>
+          <p:nvPr>
+            <p:extLst>
+              <p:ext uri="{386F3935-93C4-4BCD-93E2-E3B085C9AB24}">
+                <p16:designElem xmlns:p16="http://schemas.microsoft.com/office/powerpoint/2015/main" val="1"/>
+              </p:ext>
+            </p:extLst>
+          </p:nvPr>
+        </p:nvSpPr>
+        <p:spPr>
+          <a:xfrm>
+            <a:off x="0" y="0"/>
+            <a:ext cx="12192000" cy="6858000"/>
+          </a:xfrm>
+          <a:prstGeom prst="rect">
+            <a:avLst/>
+          </a:prstGeom>
+          <a:ln>
+            <a:noFill/>
+          </a:ln>
+        </p:spPr>
+        <p:style>
+          <a:lnRef idx="2">
+            <a:schemeClr val="accent1">
+              <a:shade val="50000"/>
+            </a:schemeClr>
+          </a:lnRef>
+          <a:fillRef idx="1">
+            <a:schemeClr val="accent1"/>
+          </a:fillRef>
+          <a:effectRef idx="0">
+            <a:schemeClr val="accent1"/>
+          </a:effectRef>
+          <a:fontRef idx="minor">
+            <a:schemeClr val="lt1"/>
+          </a:fontRef>
+        </p:style>
+        <p:txBody>
+          <a:bodyPr rtlCol="0" anchor="ctr"/>
+          <a:lstStyle/>
+          <a:p>
+            <a:pPr algn="ctr"/>
+            <a:endParaRPr lang="en-US"/>
+          </a:p>
+        </p:txBody>
+      </p:sp>
+      <p:pic>
+        <p:nvPicPr>
+          <p:cNvPr id="5" name="Picture 4" descr="Programmation de données sur un moniteur d’ordinateur">
+            <a:extLst>
+              <a:ext uri="{FF2B5EF4-FFF2-40B4-BE49-F238E27FC236}">
+                <a16:creationId xmlns:a16="http://schemas.microsoft.com/office/drawing/2014/main" id="{4F5A29A8-C96E-A81E-694F-9DEB25451B7E}"/>
+              </a:ext>
+            </a:extLst>
+          </p:cNvPr>
+          <p:cNvPicPr>
+            <a:picLocks noChangeAspect="1"/>
+          </p:cNvPicPr>
+          <p:nvPr/>
+        </p:nvPicPr>
+        <p:blipFill rotWithShape="1">
+          <a:blip r:embed="rId2"/>
+          <a:srcRect l="177" r="15449" b="-1"/>
+          <a:stretch/>
+        </p:blipFill>
+        <p:spPr>
+          <a:xfrm>
+            <a:off x="3523488" y="10"/>
+            <a:ext cx="8668512" cy="6857990"/>
+          </a:xfrm>
+          <a:prstGeom prst="rect">
+            <a:avLst/>
+          </a:prstGeom>
+        </p:spPr>
+      </p:pic>
+      <p:sp>
+        <p:nvSpPr>
+          <p:cNvPr id="11" name="Rectangle 10">
+            <a:extLst>
+              <a:ext uri="{FF2B5EF4-FFF2-40B4-BE49-F238E27FC236}">
+                <a16:creationId xmlns:a16="http://schemas.microsoft.com/office/drawing/2014/main" id="{AB58EF07-17C2-48CF-ABB0-EEF1F17CB8F0}"/>
+              </a:ext>
+              <a:ext uri="{C183D7F6-B498-43B3-948B-1728B52AA6E4}">
+                <adec:decorative xmlns:adec="http://schemas.microsoft.com/office/drawing/2017/decorative" val="1"/>
+              </a:ext>
+            </a:extLst>
+          </p:cNvPr>
+          <p:cNvSpPr>
+            <a:spLocks noGrp="1" noRot="1" noChangeAspect="1" noMove="1" noResize="1" noEditPoints="1" noAdjustHandles="1" noChangeArrowheads="1" noChangeShapeType="1" noTextEdit="1"/>
+          </p:cNvSpPr>
+          <p:nvPr>
+            <p:extLst>
+              <p:ext uri="{386F3935-93C4-4BCD-93E2-E3B085C9AB24}">
+                <p16:designElem xmlns:p16="http://schemas.microsoft.com/office/powerpoint/2015/main" val="1"/>
+              </p:ext>
+            </p:extLst>
+          </p:nvPr>
+        </p:nvSpPr>
+        <p:spPr>
+          <a:xfrm>
+            <a:off x="3" y="0"/>
+            <a:ext cx="9339206" cy="6858000"/>
+          </a:xfrm>
+          <a:prstGeom prst="rect">
+            <a:avLst/>
+          </a:prstGeom>
+          <a:gradFill>
+            <a:gsLst>
+              <a:gs pos="58000">
+                <a:schemeClr val="bg1"/>
+              </a:gs>
+              <a:gs pos="33000">
+                <a:schemeClr val="bg1">
+                  <a:alpha val="64000"/>
+                </a:schemeClr>
+              </a:gs>
+              <a:gs pos="0">
+                <a:schemeClr val="bg1">
+                  <a:alpha val="0"/>
+                </a:schemeClr>
+              </a:gs>
+              <a:gs pos="100000">
+                <a:schemeClr val="bg1"/>
+              </a:gs>
+            </a:gsLst>
+            <a:lin ang="10800000" scaled="0"/>
+          </a:gradFill>
+          <a:ln>
+            <a:noFill/>
+          </a:ln>
+        </p:spPr>
+        <p:style>
+          <a:lnRef idx="2">
+            <a:schemeClr val="accent1">
+              <a:shade val="50000"/>
+            </a:schemeClr>
+          </a:lnRef>
+          <a:fillRef idx="1">
+            <a:schemeClr val="accent1"/>
+          </a:fillRef>
+          <a:effectRef idx="0">
+            <a:schemeClr val="accent1"/>
+          </a:effectRef>
+          <a:fontRef idx="minor">
+            <a:schemeClr val="lt1"/>
+          </a:fontRef>
+        </p:style>
+        <p:txBody>
+          <a:bodyPr rtlCol="0" anchor="ctr"/>
+          <a:lstStyle/>
+          <a:p>
+            <a:pPr algn="ctr"/>
+            <a:endParaRPr lang="en-US" dirty="0"/>
+          </a:p>
+        </p:txBody>
+      </p:sp>
+      <p:sp>
+        <p:nvSpPr>
+          <p:cNvPr id="2" name="Titre 1">
+            <a:extLst>
+              <a:ext uri="{FF2B5EF4-FFF2-40B4-BE49-F238E27FC236}">
+                <a16:creationId xmlns:a16="http://schemas.microsoft.com/office/drawing/2014/main" id="{383C6C12-FD91-7794-B468-4118916110C8}"/>
+              </a:ext>
+            </a:extLst>
+          </p:cNvPr>
+          <p:cNvSpPr>
+            <a:spLocks noGrp="1"/>
+          </p:cNvSpPr>
+          <p:nvPr>
+            <p:ph type="title"/>
+          </p:nvPr>
+        </p:nvSpPr>
+        <p:spPr>
+          <a:xfrm>
+            <a:off x="477981" y="1122363"/>
+            <a:ext cx="4023360" cy="3204134"/>
+          </a:xfrm>
+        </p:spPr>
+        <p:txBody>
+          <a:bodyPr vert="horz" lIns="91440" tIns="45720" rIns="91440" bIns="45720" rtlCol="0" anchor="b">
+            <a:normAutofit/>
+          </a:bodyPr>
+          <a:lstStyle/>
+          <a:p>
+            <a:r>
+              <a:rPr lang="en-US" sz="4800"/>
+              <a:t>5. Code du Projet</a:t>
+            </a:r>
+          </a:p>
+        </p:txBody>
+      </p:sp>
+      <p:sp>
+        <p:nvSpPr>
+          <p:cNvPr id="13" name="Rectangle 12">
+            <a:extLst>
+              <a:ext uri="{FF2B5EF4-FFF2-40B4-BE49-F238E27FC236}">
+                <a16:creationId xmlns:a16="http://schemas.microsoft.com/office/drawing/2014/main" id="{AF2F604E-43BE-4DC3-B983-E071523364F8}"/>
+              </a:ext>
+              <a:ext uri="{C183D7F6-B498-43B3-948B-1728B52AA6E4}">
+                <adec:decorative xmlns:adec="http://schemas.microsoft.com/office/drawing/2017/decorative" val="1"/>
+              </a:ext>
+            </a:extLst>
+          </p:cNvPr>
+          <p:cNvSpPr>
+            <a:spLocks noGrp="1" noRot="1" noChangeAspect="1" noMove="1" noResize="1" noEditPoints="1" noAdjustHandles="1" noChangeArrowheads="1" noChangeShapeType="1" noTextEdit="1"/>
+          </p:cNvSpPr>
+          <p:nvPr>
+            <p:extLst>
+              <p:ext uri="{386F3935-93C4-4BCD-93E2-E3B085C9AB24}">
+                <p16:designElem xmlns:p16="http://schemas.microsoft.com/office/powerpoint/2015/main" val="1"/>
+              </p:ext>
+            </p:extLst>
+          </p:nvPr>
+        </p:nvSpPr>
+        <p:spPr>
+          <a:xfrm rot="5400000">
+            <a:off x="759921" y="346791"/>
+            <a:ext cx="146304" cy="704088"/>
+          </a:xfrm>
+          <a:prstGeom prst="rect">
+            <a:avLst/>
+          </a:prstGeom>
+          <a:solidFill>
+            <a:schemeClr val="accent2"/>
+          </a:solidFill>
+          <a:ln>
+            <a:noFill/>
+          </a:ln>
+        </p:spPr>
+        <p:style>
+          <a:lnRef idx="2">
+            <a:schemeClr val="accent1">
+              <a:shade val="50000"/>
+            </a:schemeClr>
+          </a:lnRef>
+          <a:fillRef idx="1">
+            <a:schemeClr val="accent1"/>
+          </a:fillRef>
+          <a:effectRef idx="0">
+            <a:schemeClr val="accent1"/>
+          </a:effectRef>
+          <a:fontRef idx="minor">
+            <a:schemeClr val="lt1"/>
+          </a:fontRef>
+        </p:style>
+        <p:txBody>
+          <a:bodyPr rtlCol="0" anchor="ctr"/>
+          <a:lstStyle/>
+          <a:p>
+            <a:pPr algn="ctr"/>
+            <a:endParaRPr lang="en-US">
+              <a:solidFill>
+                <a:prstClr val="white"/>
+              </a:solidFill>
+              <a:latin typeface="Calibri" panose="020F0502020204030204"/>
+            </a:endParaRPr>
+          </a:p>
+        </p:txBody>
+      </p:sp>
+      <p:sp>
+        <p:nvSpPr>
+          <p:cNvPr id="15" name="Rectangle 14">
+            <a:extLst>
+              <a:ext uri="{FF2B5EF4-FFF2-40B4-BE49-F238E27FC236}">
+                <a16:creationId xmlns:a16="http://schemas.microsoft.com/office/drawing/2014/main" id="{08C9B587-E65E-4B52-B37C-ABEBB6E87928}"/>
+              </a:ext>
+              <a:ext uri="{C183D7F6-B498-43B3-948B-1728B52AA6E4}">
+                <adec:decorative xmlns:adec="http://schemas.microsoft.com/office/drawing/2017/decorative" val="1"/>
+              </a:ext>
+            </a:extLst>
+          </p:cNvPr>
+          <p:cNvSpPr>
+            <a:spLocks noGrp="1" noRot="1" noChangeAspect="1" noMove="1" noResize="1" noEditPoints="1" noAdjustHandles="1" noChangeArrowheads="1" noChangeShapeType="1" noTextEdit="1"/>
+          </p:cNvSpPr>
+          <p:nvPr>
+            <p:extLst>
+              <p:ext uri="{386F3935-93C4-4BCD-93E2-E3B085C9AB24}">
+                <p16:designElem xmlns:p16="http://schemas.microsoft.com/office/powerpoint/2015/main" val="1"/>
+              </p:ext>
+            </p:extLst>
+          </p:nvPr>
+        </p:nvSpPr>
+        <p:spPr>
+          <a:xfrm>
+            <a:off x="481029" y="4546920"/>
+            <a:ext cx="3977640" cy="18288"/>
+          </a:xfrm>
+          <a:prstGeom prst="rect">
+            <a:avLst/>
+          </a:prstGeom>
+          <a:solidFill>
+            <a:schemeClr val="tx1"/>
+          </a:solidFill>
+          <a:ln w="3175">
+            <a:noFill/>
+          </a:ln>
+          <a:effectLst/>
+        </p:spPr>
+        <p:style>
+          <a:lnRef idx="2">
+            <a:schemeClr val="accent1">
+              <a:shade val="50000"/>
+            </a:schemeClr>
+          </a:lnRef>
+          <a:fillRef idx="1">
+            <a:schemeClr val="accent1"/>
+          </a:fillRef>
+          <a:effectRef idx="0">
+            <a:schemeClr val="accent1"/>
+          </a:effectRef>
+          <a:fontRef idx="minor">
+            <a:schemeClr val="lt1"/>
+          </a:fontRef>
+        </p:style>
+        <p:txBody>
+          <a:bodyPr rtlCol="0" anchor="ctr"/>
+          <a:lstStyle/>
+          <a:p>
+            <a:pPr marL="0" marR="0" lvl="0" indent="0" algn="ctr" defTabSz="914400" rtl="0" eaLnBrk="1" fontAlgn="auto" latinLnBrk="0" hangingPunct="1">
+              <a:lnSpc>
+                <a:spcPct val="100000"/>
+              </a:lnSpc>
+              <a:spcBef>
+                <a:spcPts val="0"/>
+              </a:spcBef>
+              <a:spcAft>
+                <a:spcPts val="0"/>
+              </a:spcAft>
+              <a:buClrTx/>
+              <a:buSzTx/>
+              <a:buFontTx/>
+              <a:buNone/>
+              <a:tabLst/>
+              <a:defRPr/>
+            </a:pPr>
+            <a:endParaRPr kumimoji="0" lang="en-US" sz="1800" b="0" i="0" u="none" strike="noStrike" kern="1200" cap="none" spc="0" normalizeH="0" baseline="0" noProof="0">
+              <a:ln>
+                <a:noFill/>
+              </a:ln>
+              <a:solidFill>
+                <a:prstClr val="white"/>
+              </a:solidFill>
+              <a:effectLst/>
+              <a:uLnTx/>
+              <a:uFillTx/>
+              <a:latin typeface="Calibri" panose="020F0502020204030204"/>
+              <a:ea typeface="+mn-ea"/>
+              <a:cs typeface="+mn-cs"/>
+            </a:endParaRPr>
+          </a:p>
+        </p:txBody>
+      </p:sp>
+    </p:spTree>
+    <p:extLst>
+      <p:ext uri="{BB962C8B-B14F-4D97-AF65-F5344CB8AC3E}">
+        <p14:creationId xmlns:p14="http://schemas.microsoft.com/office/powerpoint/2010/main" val="2789736149"/>
+      </p:ext>
+    </p:extLst>
+  </p:cSld>
+  <p:clrMapOvr>
+    <a:overrideClrMapping bg1="dk1" tx1="lt1" bg2="dk2" tx2="lt2" accent1="accent1" accent2="accent2" accent3="accent3" accent4="accent4" accent5="accent5" accent6="accent6" hlink="hlink" folHlink="folHlink"/>
+  </p:clrMapOvr>
+</p:sld>
+</file>
+
+<file path=ppt/slides/slide8.xml><?xml version="1.0" encoding="utf-8"?>
+<p:sld xmlns:a="http://schemas.openxmlformats.org/drawingml/2006/main" xmlns:r="http://schemas.openxmlformats.org/officeDocument/2006/relationships" xmlns:p="http://schemas.openxmlformats.org/presentationml/2006/main">
+  <p:cSld>
+    <p:bg>
+      <p:bgPr>
+        <a:solidFill>
+          <a:schemeClr val="bg1"/>
+        </a:solidFill>
+        <a:effectLst/>
+      </p:bgPr>
+    </p:bg>
     <p:spTree>
       <p:nvGrpSpPr>
         <p:cNvPr id="1" name=""/>
@@ -6997,39 +7854,75 @@
       </p:grpSpPr>
       <p:sp>
         <p:nvSpPr>
-          <p:cNvPr id="2" name="Titre 1">
-            <a:extLst>
-              <a:ext uri="{FF2B5EF4-FFF2-40B4-BE49-F238E27FC236}">
-                <a16:creationId xmlns:a16="http://schemas.microsoft.com/office/drawing/2014/main" id="{253718F9-6EA2-CCBC-F928-5EC9F26C76B0}"/>
+          <p:cNvPr id="21" name="Rectangle 20">
+            <a:extLst>
+              <a:ext uri="{FF2B5EF4-FFF2-40B4-BE49-F238E27FC236}">
+                <a16:creationId xmlns:a16="http://schemas.microsoft.com/office/drawing/2014/main" id="{823AC064-BC96-4F32-8AE1-B2FD38754823}"/>
+              </a:ext>
+              <a:ext uri="{C183D7F6-B498-43B3-948B-1728B52AA6E4}">
+                <adec:decorative xmlns:adec="http://schemas.microsoft.com/office/drawing/2017/decorative" val="1"/>
               </a:ext>
             </a:extLst>
           </p:cNvPr>
           <p:cNvSpPr>
-            <a:spLocks noGrp="1"/>
+            <a:spLocks noGrp="1" noRot="1" noChangeAspect="1" noMove="1" noResize="1" noEditPoints="1" noAdjustHandles="1" noChangeArrowheads="1" noChangeShapeType="1" noTextEdit="1"/>
           </p:cNvSpPr>
           <p:nvPr>
-            <p:ph type="title"/>
+            <p:extLst>
+              <p:ext uri="{386F3935-93C4-4BCD-93E2-E3B085C9AB24}">
+                <p16:designElem xmlns:p16="http://schemas.microsoft.com/office/powerpoint/2015/main" val="1"/>
+              </p:ext>
+            </p:extLst>
           </p:nvPr>
         </p:nvSpPr>
-        <p:spPr/>
+        <p:spPr bwMode="ltGray">
+          <a:xfrm>
+            <a:off x="396882" y="280374"/>
+            <a:ext cx="11438793" cy="1844256"/>
+          </a:xfrm>
+          <a:prstGeom prst="rect">
+            <a:avLst/>
+          </a:prstGeom>
+          <a:solidFill>
+            <a:srgbClr val="404040"/>
+          </a:solidFill>
+          <a:ln w="127000" cap="sq" cmpd="thinThick">
+            <a:solidFill>
+              <a:srgbClr val="404040"/>
+            </a:solidFill>
+          </a:ln>
+        </p:spPr>
+        <p:style>
+          <a:lnRef idx="2">
+            <a:schemeClr val="accent1">
+              <a:shade val="50000"/>
+            </a:schemeClr>
+          </a:lnRef>
+          <a:fillRef idx="1">
+            <a:schemeClr val="accent1"/>
+          </a:fillRef>
+          <a:effectRef idx="0">
+            <a:schemeClr val="accent1"/>
+          </a:effectRef>
+          <a:fontRef idx="minor">
+            <a:schemeClr val="lt1"/>
+          </a:fontRef>
+        </p:style>
         <p:txBody>
-          <a:bodyPr/>
+          <a:bodyPr rtlCol="0" anchor="ctr"/>
           <a:lstStyle/>
           <a:p>
             <a:pPr algn="ctr"/>
-            <a:r>
-              <a:rPr lang="fr-FR" dirty="0"/>
-              <a:t>4. Rendu Visuel Mobile</a:t>
-            </a:r>
+            <a:endParaRPr lang="en-US"/>
           </a:p>
         </p:txBody>
       </p:sp>
       <p:sp>
         <p:nvSpPr>
-          <p:cNvPr id="3" name="Espace réservé du contenu 2">
-            <a:extLst>
-              <a:ext uri="{FF2B5EF4-FFF2-40B4-BE49-F238E27FC236}">
-                <a16:creationId xmlns:a16="http://schemas.microsoft.com/office/drawing/2014/main" id="{86643B2A-298B-2BDE-D75F-7A2838027EE1}"/>
+          <p:cNvPr id="2" name="Titre 1">
+            <a:extLst>
+              <a:ext uri="{FF2B5EF4-FFF2-40B4-BE49-F238E27FC236}">
+                <a16:creationId xmlns:a16="http://schemas.microsoft.com/office/drawing/2014/main" id="{A4CDC451-9759-E8FC-A2DB-CE31861B28F6}"/>
               </a:ext>
             </a:extLst>
           </p:cNvPr>
@@ -7037,22 +7930,201 @@
             <a:spLocks noGrp="1"/>
           </p:cNvSpPr>
           <p:nvPr>
-            <p:ph idx="1"/>
+            <p:ph type="title"/>
           </p:nvPr>
         </p:nvSpPr>
-        <p:spPr/>
+        <p:spPr>
+          <a:xfrm>
+            <a:off x="546351" y="433545"/>
+            <a:ext cx="11139854" cy="930447"/>
+          </a:xfrm>
+        </p:spPr>
         <p:txBody>
-          <a:bodyPr/>
+          <a:bodyPr vert="horz" lIns="91440" tIns="45720" rIns="91440" bIns="45720" rtlCol="0" anchor="b">
+            <a:normAutofit/>
+          </a:bodyPr>
           <a:lstStyle/>
           <a:p>
-            <a:endParaRPr lang="fr-FR" dirty="0"/>
+            <a:pPr algn="ctr"/>
+            <a:r>
+              <a:rPr lang="en-US" sz="5400">
+                <a:solidFill>
+                  <a:srgbClr val="FFFFFF"/>
+                </a:solidFill>
+              </a:rPr>
+              <a:t>6. Vérification W3 HTML / CSS</a:t>
+            </a:r>
           </a:p>
         </p:txBody>
       </p:sp>
+      <p:cxnSp>
+        <p:nvCxnSpPr>
+          <p:cNvPr id="23" name="Straight Connector 22">
+            <a:extLst>
+              <a:ext uri="{FF2B5EF4-FFF2-40B4-BE49-F238E27FC236}">
+                <a16:creationId xmlns:a16="http://schemas.microsoft.com/office/drawing/2014/main" id="{7E7C77BC-7138-40B1-A15B-20F57A494629}"/>
+              </a:ext>
+              <a:ext uri="{C183D7F6-B498-43B3-948B-1728B52AA6E4}">
+                <adec:decorative xmlns:adec="http://schemas.microsoft.com/office/drawing/2017/decorative" val="1"/>
+              </a:ext>
+            </a:extLst>
+          </p:cNvPr>
+          <p:cNvCxnSpPr>
+            <a:cxnSpLocks noGrp="1" noRot="1" noChangeAspect="1" noMove="1" noResize="1" noEditPoints="1" noAdjustHandles="1" noChangeArrowheads="1" noChangeShapeType="1"/>
+          </p:cNvCxnSpPr>
+          <p:nvPr>
+            <p:extLst>
+              <p:ext uri="{386F3935-93C4-4BCD-93E2-E3B085C9AB24}">
+                <p16:designElem xmlns:p16="http://schemas.microsoft.com/office/powerpoint/2015/main" val="1"/>
+              </p:ext>
+            </p:extLst>
+          </p:nvPr>
+        </p:nvCxnSpPr>
+        <p:spPr>
+          <a:xfrm>
+            <a:off x="2230078" y="1522292"/>
+            <a:ext cx="7772400" cy="0"/>
+          </a:xfrm>
+          <a:prstGeom prst="line">
+            <a:avLst/>
+          </a:prstGeom>
+          <a:ln w="22225">
+            <a:solidFill>
+              <a:srgbClr val="D9D9D9"/>
+            </a:solidFill>
+          </a:ln>
+        </p:spPr>
+        <p:style>
+          <a:lnRef idx="1">
+            <a:schemeClr val="accent1"/>
+          </a:lnRef>
+          <a:fillRef idx="0">
+            <a:schemeClr val="accent1"/>
+          </a:fillRef>
+          <a:effectRef idx="0">
+            <a:schemeClr val="accent1"/>
+          </a:effectRef>
+          <a:fontRef idx="minor">
+            <a:schemeClr val="tx1"/>
+          </a:fontRef>
+        </p:style>
+      </p:cxnSp>
+      <p:pic>
+        <p:nvPicPr>
+          <p:cNvPr id="7" name="Image 6">
+            <a:extLst>
+              <a:ext uri="{FF2B5EF4-FFF2-40B4-BE49-F238E27FC236}">
+                <a16:creationId xmlns:a16="http://schemas.microsoft.com/office/drawing/2014/main" id="{99ABDB03-9911-2F6F-30DE-0C8F05BB2EAE}"/>
+              </a:ext>
+            </a:extLst>
+          </p:cNvPr>
+          <p:cNvPicPr>
+            <a:picLocks noChangeAspect="1"/>
+          </p:cNvPicPr>
+          <p:nvPr/>
+        </p:nvPicPr>
+        <p:blipFill>
+          <a:blip r:embed="rId2"/>
+          <a:stretch>
+            <a:fillRect/>
+          </a:stretch>
+        </p:blipFill>
+        <p:spPr>
+          <a:xfrm>
+            <a:off x="496938" y="2426818"/>
+            <a:ext cx="5125175" cy="3997637"/>
+          </a:xfrm>
+          <a:prstGeom prst="rect">
+            <a:avLst/>
+          </a:prstGeom>
+        </p:spPr>
+      </p:pic>
+      <p:cxnSp>
+        <p:nvCxnSpPr>
+          <p:cNvPr id="25" name="Straight Connector 24">
+            <a:extLst>
+              <a:ext uri="{FF2B5EF4-FFF2-40B4-BE49-F238E27FC236}">
+                <a16:creationId xmlns:a16="http://schemas.microsoft.com/office/drawing/2014/main" id="{DB146403-F3D6-484B-B2ED-97F9565D0370}"/>
+              </a:ext>
+              <a:ext uri="{C183D7F6-B498-43B3-948B-1728B52AA6E4}">
+                <adec:decorative xmlns:adec="http://schemas.microsoft.com/office/drawing/2017/decorative" val="1"/>
+              </a:ext>
+            </a:extLst>
+          </p:cNvPr>
+          <p:cNvCxnSpPr>
+            <a:cxnSpLocks noGrp="1" noRot="1" noChangeAspect="1" noMove="1" noResize="1" noEditPoints="1" noAdjustHandles="1" noChangeArrowheads="1" noChangeShapeType="1"/>
+          </p:cNvCxnSpPr>
+          <p:nvPr>
+            <p:extLst>
+              <p:ext uri="{386F3935-93C4-4BCD-93E2-E3B085C9AB24}">
+                <p16:designElem xmlns:p16="http://schemas.microsoft.com/office/powerpoint/2015/main" val="1"/>
+              </p:ext>
+            </p:extLst>
+          </p:nvPr>
+        </p:nvCxnSpPr>
+        <p:spPr>
+          <a:xfrm>
+            <a:off x="6116278" y="2596836"/>
+            <a:ext cx="0" cy="3657600"/>
+          </a:xfrm>
+          <a:prstGeom prst="line">
+            <a:avLst/>
+          </a:prstGeom>
+          <a:ln w="101600" cmpd="dbl">
+            <a:solidFill>
+              <a:srgbClr val="595959"/>
+            </a:solidFill>
+          </a:ln>
+        </p:spPr>
+        <p:style>
+          <a:lnRef idx="1">
+            <a:schemeClr val="accent1"/>
+          </a:lnRef>
+          <a:fillRef idx="0">
+            <a:schemeClr val="accent1"/>
+          </a:fillRef>
+          <a:effectRef idx="0">
+            <a:schemeClr val="accent1"/>
+          </a:effectRef>
+          <a:fontRef idx="minor">
+            <a:schemeClr val="tx1"/>
+          </a:fontRef>
+        </p:style>
+      </p:cxnSp>
+      <p:pic>
+        <p:nvPicPr>
+          <p:cNvPr id="5" name="Image 4">
+            <a:extLst>
+              <a:ext uri="{FF2B5EF4-FFF2-40B4-BE49-F238E27FC236}">
+                <a16:creationId xmlns:a16="http://schemas.microsoft.com/office/drawing/2014/main" id="{CDF8F2F2-2AF2-8EBB-764B-C33C9C449589}"/>
+              </a:ext>
+            </a:extLst>
+          </p:cNvPr>
+          <p:cNvPicPr>
+            <a:picLocks noChangeAspect="1"/>
+          </p:cNvPicPr>
+          <p:nvPr/>
+        </p:nvPicPr>
+        <p:blipFill>
+          <a:blip r:embed="rId3"/>
+          <a:stretch>
+            <a:fillRect/>
+          </a:stretch>
+        </p:blipFill>
+        <p:spPr>
+          <a:xfrm>
+            <a:off x="6445073" y="3041198"/>
+            <a:ext cx="5455917" cy="2768877"/>
+          </a:xfrm>
+          <a:prstGeom prst="rect">
+            <a:avLst/>
+          </a:prstGeom>
+        </p:spPr>
+      </p:pic>
     </p:spTree>
     <p:extLst>
       <p:ext uri="{BB962C8B-B14F-4D97-AF65-F5344CB8AC3E}">
-        <p14:creationId xmlns:p14="http://schemas.microsoft.com/office/powerpoint/2010/main" val="1308882210"/>
+        <p14:creationId xmlns:p14="http://schemas.microsoft.com/office/powerpoint/2010/main" val="2625945390"/>
       </p:ext>
     </p:extLst>
   </p:cSld>
@@ -7062,9 +8134,17 @@
 </p:sld>
 </file>
 
-<file path=ppt/slides/slide7.xml><?xml version="1.0" encoding="utf-8"?>
+<file path=ppt/slides/slide9.xml><?xml version="1.0" encoding="utf-8"?>
 <p:sld xmlns:a="http://schemas.openxmlformats.org/drawingml/2006/main" xmlns:r="http://schemas.openxmlformats.org/officeDocument/2006/relationships" xmlns:p="http://schemas.openxmlformats.org/presentationml/2006/main">
   <p:cSld>
+    <p:bg>
+      <p:bgPr>
+        <a:solidFill>
+          <a:schemeClr val="bg1"/>
+        </a:solidFill>
+        <a:effectLst/>
+      </p:bgPr>
+    </p:bg>
     <p:spTree>
       <p:nvGrpSpPr>
         <p:cNvPr id="1" name=""/>
@@ -7079,41 +8159,133 @@
           <a:chExt cx="0" cy="0"/>
         </a:xfrm>
       </p:grpSpPr>
+      <p:cxnSp>
+        <p:nvCxnSpPr>
+          <p:cNvPr id="1031" name="Straight Connector 1030">
+            <a:extLst>
+              <a:ext uri="{FF2B5EF4-FFF2-40B4-BE49-F238E27FC236}">
+                <a16:creationId xmlns:a16="http://schemas.microsoft.com/office/drawing/2014/main" id="{D2E961F1-4A28-4A5F-BBD4-6E400E5E6C75}"/>
+              </a:ext>
+              <a:ext uri="{C183D7F6-B498-43B3-948B-1728B52AA6E4}">
+                <adec:decorative xmlns:adec="http://schemas.microsoft.com/office/drawing/2017/decorative" val="1"/>
+              </a:ext>
+            </a:extLst>
+          </p:cNvPr>
+          <p:cNvCxnSpPr>
+            <a:cxnSpLocks noGrp="1" noRot="1" noChangeAspect="1" noMove="1" noResize="1" noEditPoints="1" noAdjustHandles="1" noChangeArrowheads="1" noChangeShapeType="1"/>
+          </p:cNvCxnSpPr>
+          <p:nvPr>
+            <p:extLst>
+              <p:ext uri="{386F3935-93C4-4BCD-93E2-E3B085C9AB24}">
+                <p16:designElem xmlns:p16="http://schemas.microsoft.com/office/powerpoint/2015/main" val="1"/>
+              </p:ext>
+            </p:extLst>
+          </p:nvPr>
+        </p:nvCxnSpPr>
+        <p:spPr bwMode="white">
+          <a:xfrm>
+            <a:off x="0" y="272357"/>
+            <a:ext cx="12188824" cy="0"/>
+          </a:xfrm>
+          <a:prstGeom prst="line">
+            <a:avLst/>
+          </a:prstGeom>
+          <a:ln w="50800">
+            <a:solidFill>
+              <a:schemeClr val="tx1">
+                <a:lumMod val="75000"/>
+                <a:lumOff val="25000"/>
+              </a:schemeClr>
+            </a:solidFill>
+          </a:ln>
+        </p:spPr>
+        <p:style>
+          <a:lnRef idx="1">
+            <a:schemeClr val="accent1"/>
+          </a:lnRef>
+          <a:fillRef idx="0">
+            <a:schemeClr val="accent1"/>
+          </a:fillRef>
+          <a:effectRef idx="0">
+            <a:schemeClr val="accent1"/>
+          </a:effectRef>
+          <a:fontRef idx="minor">
+            <a:schemeClr val="tx1"/>
+          </a:fontRef>
+        </p:style>
+      </p:cxnSp>
       <p:sp>
         <p:nvSpPr>
-          <p:cNvPr id="2" name="Titre 1">
-            <a:extLst>
-              <a:ext uri="{FF2B5EF4-FFF2-40B4-BE49-F238E27FC236}">
-                <a16:creationId xmlns:a16="http://schemas.microsoft.com/office/drawing/2014/main" id="{383C6C12-FD91-7794-B468-4118916110C8}"/>
+          <p:cNvPr id="1033" name="Rectangle 1032">
+            <a:extLst>
+              <a:ext uri="{FF2B5EF4-FFF2-40B4-BE49-F238E27FC236}">
+                <a16:creationId xmlns:a16="http://schemas.microsoft.com/office/drawing/2014/main" id="{7F57BEA8-497D-4AA8-8A18-BDCD696B25FE}"/>
+              </a:ext>
+              <a:ext uri="{C183D7F6-B498-43B3-948B-1728B52AA6E4}">
+                <adec:decorative xmlns:adec="http://schemas.microsoft.com/office/drawing/2017/decorative" val="1"/>
               </a:ext>
             </a:extLst>
           </p:cNvPr>
           <p:cNvSpPr>
-            <a:spLocks noGrp="1"/>
+            <a:spLocks noGrp="1" noRot="1" noChangeAspect="1" noMove="1" noResize="1" noEditPoints="1" noAdjustHandles="1" noChangeArrowheads="1" noChangeShapeType="1" noTextEdit="1"/>
           </p:cNvSpPr>
           <p:nvPr>
-            <p:ph type="title"/>
+            <p:extLst>
+              <p:ext uri="{386F3935-93C4-4BCD-93E2-E3B085C9AB24}">
+                <p16:designElem xmlns:p16="http://schemas.microsoft.com/office/powerpoint/2015/main" val="1"/>
+              </p:ext>
+            </p:extLst>
           </p:nvPr>
         </p:nvSpPr>
-        <p:spPr/>
+        <p:spPr>
+          <a:xfrm>
+            <a:off x="0" y="368596"/>
+            <a:ext cx="12192000" cy="1735555"/>
+          </a:xfrm>
+          <a:prstGeom prst="rect">
+            <a:avLst/>
+          </a:prstGeom>
+          <a:solidFill>
+            <a:schemeClr val="tx1">
+              <a:lumMod val="75000"/>
+              <a:lumOff val="25000"/>
+            </a:schemeClr>
+          </a:solidFill>
+          <a:ln>
+            <a:noFill/>
+          </a:ln>
+        </p:spPr>
+        <p:style>
+          <a:lnRef idx="2">
+            <a:schemeClr val="accent1">
+              <a:shade val="50000"/>
+            </a:schemeClr>
+          </a:lnRef>
+          <a:fillRef idx="1">
+            <a:schemeClr val="accent1"/>
+          </a:fillRef>
+          <a:effectRef idx="0">
+            <a:schemeClr val="accent1"/>
+          </a:effectRef>
+          <a:fontRef idx="minor">
+            <a:schemeClr val="lt1"/>
+          </a:fontRef>
+        </p:style>
         <p:txBody>
-          <a:bodyPr/>
+          <a:bodyPr rtlCol="0" anchor="ctr"/>
           <a:lstStyle/>
           <a:p>
             <a:pPr algn="ctr"/>
-            <a:r>
-              <a:rPr lang="fr-FR" dirty="0"/>
-              <a:t>5. Code du Projet</a:t>
-            </a:r>
+            <a:endParaRPr lang="en-US"/>
           </a:p>
         </p:txBody>
       </p:sp>
       <p:sp>
         <p:nvSpPr>
-          <p:cNvPr id="3" name="Espace réservé du contenu 2">
-            <a:extLst>
-              <a:ext uri="{FF2B5EF4-FFF2-40B4-BE49-F238E27FC236}">
-                <a16:creationId xmlns:a16="http://schemas.microsoft.com/office/drawing/2014/main" id="{CA0AE6F7-FBF5-82B5-4151-B448F70C80FC}"/>
+          <p:cNvPr id="2" name="Titre 1">
+            <a:extLst>
+              <a:ext uri="{FF2B5EF4-FFF2-40B4-BE49-F238E27FC236}">
+                <a16:creationId xmlns:a16="http://schemas.microsoft.com/office/drawing/2014/main" id="{B2CCF0FC-1B8E-C342-BF18-32858F66EDF9}"/>
               </a:ext>
             </a:extLst>
           </p:cNvPr>
@@ -7121,102 +8293,191 @@
             <a:spLocks noGrp="1"/>
           </p:cNvSpPr>
           <p:nvPr>
-            <p:ph idx="1"/>
+            <p:ph type="title"/>
           </p:nvPr>
         </p:nvSpPr>
-        <p:spPr/>
+        <p:spPr>
+          <a:xfrm>
+            <a:off x="526073" y="489439"/>
+            <a:ext cx="11139854" cy="930447"/>
+          </a:xfrm>
+        </p:spPr>
         <p:txBody>
-          <a:bodyPr/>
+          <a:bodyPr vert="horz" lIns="91440" tIns="45720" rIns="91440" bIns="45720" rtlCol="0" anchor="b">
+            <a:normAutofit/>
+          </a:bodyPr>
           <a:lstStyle/>
           <a:p>
-            <a:endParaRPr lang="fr-FR"/>
+            <a:pPr algn="ctr"/>
+            <a:r>
+              <a:rPr lang="en-US" sz="5400" kern="1200">
+                <a:solidFill>
+                  <a:schemeClr val="bg1"/>
+                </a:solidFill>
+                <a:latin typeface="+mj-lt"/>
+                <a:ea typeface="+mj-ea"/>
+                <a:cs typeface="+mj-cs"/>
+              </a:rPr>
+              <a:t>7. Bilan</a:t>
+            </a:r>
           </a:p>
         </p:txBody>
       </p:sp>
-    </p:spTree>
-    <p:extLst>
-      <p:ext uri="{BB962C8B-B14F-4D97-AF65-F5344CB8AC3E}">
-        <p14:creationId xmlns:p14="http://schemas.microsoft.com/office/powerpoint/2010/main" val="2789736149"/>
-      </p:ext>
-    </p:extLst>
-  </p:cSld>
-  <p:clrMapOvr>
-    <a:masterClrMapping/>
-  </p:clrMapOvr>
-</p:sld>
-</file>
-
-<file path=ppt/slides/slide8.xml><?xml version="1.0" encoding="utf-8"?>
-<p:sld xmlns:a="http://schemas.openxmlformats.org/drawingml/2006/main" xmlns:r="http://schemas.openxmlformats.org/officeDocument/2006/relationships" xmlns:p="http://schemas.openxmlformats.org/presentationml/2006/main">
-  <p:cSld>
-    <p:spTree>
-      <p:nvGrpSpPr>
-        <p:cNvPr id="1" name=""/>
-        <p:cNvGrpSpPr/>
-        <p:nvPr/>
-      </p:nvGrpSpPr>
-      <p:grpSpPr>
-        <a:xfrm>
-          <a:off x="0" y="0"/>
-          <a:ext cx="0" cy="0"/>
-          <a:chOff x="0" y="0"/>
-          <a:chExt cx="0" cy="0"/>
-        </a:xfrm>
-      </p:grpSpPr>
-      <p:sp>
-        <p:nvSpPr>
-          <p:cNvPr id="2" name="Titre 1">
-            <a:extLst>
-              <a:ext uri="{FF2B5EF4-FFF2-40B4-BE49-F238E27FC236}">
-                <a16:creationId xmlns:a16="http://schemas.microsoft.com/office/drawing/2014/main" id="{B2CCF0FC-1B8E-C342-BF18-32858F66EDF9}"/>
-              </a:ext>
-            </a:extLst>
-          </p:cNvPr>
-          <p:cNvSpPr>
-            <a:spLocks noGrp="1"/>
-          </p:cNvSpPr>
-          <p:nvPr>
-            <p:ph type="title"/>
-          </p:nvPr>
-        </p:nvSpPr>
-        <p:spPr/>
-        <p:txBody>
-          <a:bodyPr/>
-          <a:lstStyle/>
-          <a:p>
-            <a:pPr algn="ctr"/>
-            <a:r>
-              <a:rPr lang="fr-FR" dirty="0"/>
-              <a:t>6. Bilan</a:t>
-            </a:r>
-          </a:p>
-        </p:txBody>
-      </p:sp>
-      <p:sp>
-        <p:nvSpPr>
-          <p:cNvPr id="3" name="Espace réservé du contenu 2">
-            <a:extLst>
-              <a:ext uri="{FF2B5EF4-FFF2-40B4-BE49-F238E27FC236}">
-                <a16:creationId xmlns:a16="http://schemas.microsoft.com/office/drawing/2014/main" id="{15AA67A7-FD55-DFF1-64A6-E747888831DE}"/>
-              </a:ext>
-            </a:extLst>
-          </p:cNvPr>
-          <p:cNvSpPr>
-            <a:spLocks noGrp="1"/>
-          </p:cNvSpPr>
-          <p:nvPr>
-            <p:ph idx="1"/>
-          </p:nvPr>
-        </p:nvSpPr>
-        <p:spPr/>
-        <p:txBody>
-          <a:bodyPr/>
-          <a:lstStyle/>
-          <a:p>
-            <a:endParaRPr lang="fr-FR"/>
-          </a:p>
-        </p:txBody>
-      </p:sp>
+      <p:cxnSp>
+        <p:nvCxnSpPr>
+          <p:cNvPr id="1035" name="Straight Connector 1034">
+            <a:extLst>
+              <a:ext uri="{FF2B5EF4-FFF2-40B4-BE49-F238E27FC236}">
+                <a16:creationId xmlns:a16="http://schemas.microsoft.com/office/drawing/2014/main" id="{A82415D3-DDE5-4D63-8CB3-23A5EC581B27}"/>
+              </a:ext>
+              <a:ext uri="{C183D7F6-B498-43B3-948B-1728B52AA6E4}">
+                <adec:decorative xmlns:adec="http://schemas.microsoft.com/office/drawing/2017/decorative" val="1"/>
+              </a:ext>
+            </a:extLst>
+          </p:cNvPr>
+          <p:cNvCxnSpPr>
+            <a:cxnSpLocks noGrp="1" noRot="1" noChangeAspect="1" noMove="1" noResize="1" noEditPoints="1" noAdjustHandles="1" noChangeArrowheads="1" noChangeShapeType="1"/>
+          </p:cNvCxnSpPr>
+          <p:nvPr>
+            <p:extLst>
+              <p:ext uri="{386F3935-93C4-4BCD-93E2-E3B085C9AB24}">
+                <p16:designElem xmlns:p16="http://schemas.microsoft.com/office/powerpoint/2015/main" val="1"/>
+              </p:ext>
+            </p:extLst>
+          </p:nvPr>
+        </p:nvCxnSpPr>
+        <p:spPr>
+          <a:xfrm>
+            <a:off x="4724400" y="1479733"/>
+            <a:ext cx="2743200" cy="0"/>
+          </a:xfrm>
+          <a:prstGeom prst="line">
+            <a:avLst/>
+          </a:prstGeom>
+          <a:ln w="19050">
+            <a:solidFill>
+              <a:schemeClr val="bg1">
+                <a:alpha val="75000"/>
+              </a:schemeClr>
+            </a:solidFill>
+          </a:ln>
+        </p:spPr>
+        <p:style>
+          <a:lnRef idx="1">
+            <a:schemeClr val="accent1"/>
+          </a:lnRef>
+          <a:fillRef idx="0">
+            <a:schemeClr val="accent1"/>
+          </a:fillRef>
+          <a:effectRef idx="0">
+            <a:schemeClr val="accent1"/>
+          </a:effectRef>
+          <a:fontRef idx="minor">
+            <a:schemeClr val="tx1"/>
+          </a:fontRef>
+        </p:style>
+      </p:cxnSp>
+      <p:cxnSp>
+        <p:nvCxnSpPr>
+          <p:cNvPr id="1037" name="Straight Connector 1036">
+            <a:extLst>
+              <a:ext uri="{FF2B5EF4-FFF2-40B4-BE49-F238E27FC236}">
+                <a16:creationId xmlns:a16="http://schemas.microsoft.com/office/drawing/2014/main" id="{AD7193FB-6AE6-4B3B-8F89-56B55DD63B4D}"/>
+              </a:ext>
+              <a:ext uri="{C183D7F6-B498-43B3-948B-1728B52AA6E4}">
+                <adec:decorative xmlns:adec="http://schemas.microsoft.com/office/drawing/2017/decorative" val="1"/>
+              </a:ext>
+            </a:extLst>
+          </p:cNvPr>
+          <p:cNvCxnSpPr>
+            <a:cxnSpLocks noGrp="1" noRot="1" noChangeAspect="1" noMove="1" noResize="1" noEditPoints="1" noAdjustHandles="1" noChangeArrowheads="1" noChangeShapeType="1"/>
+          </p:cNvCxnSpPr>
+          <p:nvPr>
+            <p:extLst>
+              <p:ext uri="{386F3935-93C4-4BCD-93E2-E3B085C9AB24}">
+                <p16:designElem xmlns:p16="http://schemas.microsoft.com/office/powerpoint/2015/main" val="1"/>
+              </p:ext>
+            </p:extLst>
+          </p:nvPr>
+        </p:nvCxnSpPr>
+        <p:spPr bwMode="white">
+          <a:xfrm>
+            <a:off x="0" y="2201402"/>
+            <a:ext cx="12188824" cy="0"/>
+          </a:xfrm>
+          <a:prstGeom prst="line">
+            <a:avLst/>
+          </a:prstGeom>
+          <a:ln w="50800">
+            <a:solidFill>
+              <a:schemeClr val="tx1">
+                <a:lumMod val="75000"/>
+                <a:lumOff val="25000"/>
+              </a:schemeClr>
+            </a:solidFill>
+          </a:ln>
+        </p:spPr>
+        <p:style>
+          <a:lnRef idx="1">
+            <a:schemeClr val="accent1"/>
+          </a:lnRef>
+          <a:fillRef idx="0">
+            <a:schemeClr val="accent1"/>
+          </a:fillRef>
+          <a:effectRef idx="0">
+            <a:schemeClr val="accent1"/>
+          </a:effectRef>
+          <a:fontRef idx="minor">
+            <a:schemeClr val="tx1"/>
+          </a:fontRef>
+        </p:style>
+      </p:cxnSp>
+      <p:pic>
+        <p:nvPicPr>
+          <p:cNvPr id="1026" name="Picture 2" descr="Bilan - J'aime gérer">
+            <a:extLst>
+              <a:ext uri="{FF2B5EF4-FFF2-40B4-BE49-F238E27FC236}">
+                <a16:creationId xmlns:a16="http://schemas.microsoft.com/office/drawing/2014/main" id="{4F26AF23-4D6C-E72A-50DA-DEDDFFECA7F3}"/>
+              </a:ext>
+            </a:extLst>
+          </p:cNvPr>
+          <p:cNvPicPr>
+            <a:picLocks noChangeAspect="1" noChangeArrowheads="1"/>
+          </p:cNvPicPr>
+          <p:nvPr/>
+        </p:nvPicPr>
+        <p:blipFill>
+          <a:blip r:embed="rId2">
+            <a:extLst>
+              <a:ext uri="{28A0092B-C50C-407E-A947-70E740481C1C}">
+                <a14:useLocalDpi xmlns:a14="http://schemas.microsoft.com/office/drawing/2010/main" val="0"/>
+              </a:ext>
+            </a:extLst>
+          </a:blip>
+          <a:stretch>
+            <a:fillRect/>
+          </a:stretch>
+        </p:blipFill>
+        <p:spPr bwMode="auto">
+          <a:xfrm>
+            <a:off x="2514995" y="2427541"/>
+            <a:ext cx="7106910" cy="3997637"/>
+          </a:xfrm>
+          <a:prstGeom prst="rect">
+            <a:avLst/>
+          </a:prstGeom>
+          <a:noFill/>
+          <a:extLst>
+            <a:ext uri="{909E8E84-426E-40DD-AFC4-6F175D3DCCD1}">
+              <a14:hiddenFill xmlns:a14="http://schemas.microsoft.com/office/drawing/2010/main">
+                <a:solidFill>
+                  <a:srgbClr val="FFFFFF"/>
+                </a:solidFill>
+              </a14:hiddenFill>
+            </a:ext>
+          </a:extLst>
+        </p:spPr>
+      </p:pic>
     </p:spTree>
     <p:extLst>
       <p:ext uri="{BB962C8B-B14F-4D97-AF65-F5344CB8AC3E}">
